--- a/MI5130701 資料探勘 Data Mining/Ensemble methods.pptx
+++ b/MI5130701 資料探勘 Data Mining/Ensemble methods.pptx
@@ -4,6 +4,9 @@
   <p:sldMasterIdLst>
     <p:sldMasterId id="2147483648" r:id="rId1"/>
   </p:sldMasterIdLst>
+  <p:notesMasterIdLst>
+    <p:notesMasterId r:id="rId33"/>
+  </p:notesMasterIdLst>
   <p:sldIdLst>
     <p:sldId id="256" r:id="rId2"/>
     <p:sldId id="257" r:id="rId3"/>
@@ -142,6 +145,565 @@
 </p:presentation>
 </file>
 
+<file path=ppt/notesMasters/notesMaster1.xml><?xml version="1.0" encoding="utf-8"?>
+<p:notesMaster xmlns:a="http://schemas.openxmlformats.org/drawingml/2006/main" xmlns:r="http://schemas.openxmlformats.org/officeDocument/2006/relationships" xmlns:p="http://schemas.openxmlformats.org/presentationml/2006/main">
+  <p:cSld>
+    <p:bg>
+      <p:bgRef idx="1001">
+        <a:schemeClr val="bg1"/>
+      </p:bgRef>
+    </p:bg>
+    <p:spTree>
+      <p:nvGrpSpPr>
+        <p:cNvPr id="1" name=""/>
+        <p:cNvGrpSpPr/>
+        <p:nvPr/>
+      </p:nvGrpSpPr>
+      <p:grpSpPr>
+        <a:xfrm>
+          <a:off x="0" y="0"/>
+          <a:ext cx="0" cy="0"/>
+          <a:chOff x="0" y="0"/>
+          <a:chExt cx="0" cy="0"/>
+        </a:xfrm>
+      </p:grpSpPr>
+      <p:sp>
+        <p:nvSpPr>
+          <p:cNvPr id="2" name="頁首版面配置區 1"/>
+          <p:cNvSpPr>
+            <a:spLocks noGrp="1"/>
+          </p:cNvSpPr>
+          <p:nvPr>
+            <p:ph type="hdr" sz="quarter"/>
+          </p:nvPr>
+        </p:nvSpPr>
+        <p:spPr>
+          <a:xfrm>
+            <a:off x="0" y="0"/>
+            <a:ext cx="2971800" cy="458788"/>
+          </a:xfrm>
+          <a:prstGeom prst="rect">
+            <a:avLst/>
+          </a:prstGeom>
+        </p:spPr>
+        <p:txBody>
+          <a:bodyPr vert="horz" lIns="91440" tIns="45720" rIns="91440" bIns="45720" rtlCol="0"/>
+          <a:lstStyle>
+            <a:lvl1pPr algn="l">
+              <a:defRPr sz="1200"/>
+            </a:lvl1pPr>
+          </a:lstStyle>
+          <a:p>
+            <a:endParaRPr lang="zh-TW" altLang="en-US"/>
+          </a:p>
+        </p:txBody>
+      </p:sp>
+      <p:sp>
+        <p:nvSpPr>
+          <p:cNvPr id="3" name="日期版面配置區 2"/>
+          <p:cNvSpPr>
+            <a:spLocks noGrp="1"/>
+          </p:cNvSpPr>
+          <p:nvPr>
+            <p:ph type="dt" idx="1"/>
+          </p:nvPr>
+        </p:nvSpPr>
+        <p:spPr>
+          <a:xfrm>
+            <a:off x="3884613" y="0"/>
+            <a:ext cx="2971800" cy="458788"/>
+          </a:xfrm>
+          <a:prstGeom prst="rect">
+            <a:avLst/>
+          </a:prstGeom>
+        </p:spPr>
+        <p:txBody>
+          <a:bodyPr vert="horz" lIns="91440" tIns="45720" rIns="91440" bIns="45720" rtlCol="0"/>
+          <a:lstStyle>
+            <a:lvl1pPr algn="r">
+              <a:defRPr sz="1200"/>
+            </a:lvl1pPr>
+          </a:lstStyle>
+          <a:p>
+            <a:fld id="{C8AC5B22-9570-406B-96AA-22D3EA5ABAB1}" type="datetimeFigureOut">
+              <a:rPr lang="zh-TW" altLang="en-US" smtClean="0"/>
+              <a:t>2023/12/5</a:t>
+            </a:fld>
+            <a:endParaRPr lang="zh-TW" altLang="en-US"/>
+          </a:p>
+        </p:txBody>
+      </p:sp>
+      <p:sp>
+        <p:nvSpPr>
+          <p:cNvPr id="4" name="投影片影像版面配置區 3"/>
+          <p:cNvSpPr>
+            <a:spLocks noGrp="1" noRot="1" noChangeAspect="1"/>
+          </p:cNvSpPr>
+          <p:nvPr>
+            <p:ph type="sldImg" idx="2"/>
+          </p:nvPr>
+        </p:nvSpPr>
+        <p:spPr>
+          <a:xfrm>
+            <a:off x="685800" y="1143000"/>
+            <a:ext cx="5486400" cy="3086100"/>
+          </a:xfrm>
+          <a:prstGeom prst="rect">
+            <a:avLst/>
+          </a:prstGeom>
+          <a:noFill/>
+          <a:ln w="12700">
+            <a:solidFill>
+              <a:prstClr val="black"/>
+            </a:solidFill>
+          </a:ln>
+        </p:spPr>
+        <p:txBody>
+          <a:bodyPr vert="horz" lIns="91440" tIns="45720" rIns="91440" bIns="45720" rtlCol="0" anchor="ctr"/>
+          <a:lstStyle/>
+          <a:p>
+            <a:endParaRPr lang="zh-TW" altLang="en-US"/>
+          </a:p>
+        </p:txBody>
+      </p:sp>
+      <p:sp>
+        <p:nvSpPr>
+          <p:cNvPr id="5" name="備忘稿版面配置區 4"/>
+          <p:cNvSpPr>
+            <a:spLocks noGrp="1"/>
+          </p:cNvSpPr>
+          <p:nvPr>
+            <p:ph type="body" sz="quarter" idx="3"/>
+          </p:nvPr>
+        </p:nvSpPr>
+        <p:spPr>
+          <a:xfrm>
+            <a:off x="685800" y="4400550"/>
+            <a:ext cx="5486400" cy="3600450"/>
+          </a:xfrm>
+          <a:prstGeom prst="rect">
+            <a:avLst/>
+          </a:prstGeom>
+        </p:spPr>
+        <p:txBody>
+          <a:bodyPr vert="horz" lIns="91440" tIns="45720" rIns="91440" bIns="45720" rtlCol="0"/>
+          <a:lstStyle/>
+          <a:p>
+            <a:pPr lvl="0"/>
+            <a:r>
+              <a:rPr lang="zh-TW" altLang="en-US"/>
+              <a:t>按一下以編輯母片文字樣式</a:t>
+            </a:r>
+          </a:p>
+          <a:p>
+            <a:pPr lvl="1"/>
+            <a:r>
+              <a:rPr lang="zh-TW" altLang="en-US"/>
+              <a:t>第二層</a:t>
+            </a:r>
+          </a:p>
+          <a:p>
+            <a:pPr lvl="2"/>
+            <a:r>
+              <a:rPr lang="zh-TW" altLang="en-US"/>
+              <a:t>第三層</a:t>
+            </a:r>
+          </a:p>
+          <a:p>
+            <a:pPr lvl="3"/>
+            <a:r>
+              <a:rPr lang="zh-TW" altLang="en-US"/>
+              <a:t>第四層</a:t>
+            </a:r>
+          </a:p>
+          <a:p>
+            <a:pPr lvl="4"/>
+            <a:r>
+              <a:rPr lang="zh-TW" altLang="en-US"/>
+              <a:t>第五層</a:t>
+            </a:r>
+          </a:p>
+        </p:txBody>
+      </p:sp>
+      <p:sp>
+        <p:nvSpPr>
+          <p:cNvPr id="6" name="頁尾版面配置區 5"/>
+          <p:cNvSpPr>
+            <a:spLocks noGrp="1"/>
+          </p:cNvSpPr>
+          <p:nvPr>
+            <p:ph type="ftr" sz="quarter" idx="4"/>
+          </p:nvPr>
+        </p:nvSpPr>
+        <p:spPr>
+          <a:xfrm>
+            <a:off x="0" y="8685213"/>
+            <a:ext cx="2971800" cy="458787"/>
+          </a:xfrm>
+          <a:prstGeom prst="rect">
+            <a:avLst/>
+          </a:prstGeom>
+        </p:spPr>
+        <p:txBody>
+          <a:bodyPr vert="horz" lIns="91440" tIns="45720" rIns="91440" bIns="45720" rtlCol="0" anchor="b"/>
+          <a:lstStyle>
+            <a:lvl1pPr algn="l">
+              <a:defRPr sz="1200"/>
+            </a:lvl1pPr>
+          </a:lstStyle>
+          <a:p>
+            <a:endParaRPr lang="zh-TW" altLang="en-US"/>
+          </a:p>
+        </p:txBody>
+      </p:sp>
+      <p:sp>
+        <p:nvSpPr>
+          <p:cNvPr id="7" name="投影片編號版面配置區 6"/>
+          <p:cNvSpPr>
+            <a:spLocks noGrp="1"/>
+          </p:cNvSpPr>
+          <p:nvPr>
+            <p:ph type="sldNum" sz="quarter" idx="5"/>
+          </p:nvPr>
+        </p:nvSpPr>
+        <p:spPr>
+          <a:xfrm>
+            <a:off x="3884613" y="8685213"/>
+            <a:ext cx="2971800" cy="458787"/>
+          </a:xfrm>
+          <a:prstGeom prst="rect">
+            <a:avLst/>
+          </a:prstGeom>
+        </p:spPr>
+        <p:txBody>
+          <a:bodyPr vert="horz" lIns="91440" tIns="45720" rIns="91440" bIns="45720" rtlCol="0" anchor="b"/>
+          <a:lstStyle>
+            <a:lvl1pPr algn="r">
+              <a:defRPr sz="1200"/>
+            </a:lvl1pPr>
+          </a:lstStyle>
+          <a:p>
+            <a:fld id="{998C0009-8A3A-4F6B-95B2-F8940C9E0D6D}" type="slidenum">
+              <a:rPr lang="zh-TW" altLang="en-US" smtClean="0"/>
+              <a:t>‹#›</a:t>
+            </a:fld>
+            <a:endParaRPr lang="zh-TW" altLang="en-US"/>
+          </a:p>
+        </p:txBody>
+      </p:sp>
+    </p:spTree>
+    <p:extLst>
+      <p:ext uri="{BB962C8B-B14F-4D97-AF65-F5344CB8AC3E}">
+        <p14:creationId xmlns:p14="http://schemas.microsoft.com/office/powerpoint/2010/main" val="1979148977"/>
+      </p:ext>
+    </p:extLst>
+  </p:cSld>
+  <p:clrMap bg1="lt1" tx1="dk1" bg2="lt2" tx2="dk2" accent1="accent1" accent2="accent2" accent3="accent3" accent4="accent4" accent5="accent5" accent6="accent6" hlink="hlink" folHlink="folHlink"/>
+  <p:notesStyle>
+    <a:lvl1pPr marL="0" algn="l" defTabSz="914400" rtl="0" eaLnBrk="1" latinLnBrk="0" hangingPunct="1">
+      <a:defRPr sz="1200" kern="1200">
+        <a:solidFill>
+          <a:schemeClr val="tx1"/>
+        </a:solidFill>
+        <a:latin typeface="+mn-lt"/>
+        <a:ea typeface="+mn-ea"/>
+        <a:cs typeface="+mn-cs"/>
+      </a:defRPr>
+    </a:lvl1pPr>
+    <a:lvl2pPr marL="457200" algn="l" defTabSz="914400" rtl="0" eaLnBrk="1" latinLnBrk="0" hangingPunct="1">
+      <a:defRPr sz="1200" kern="1200">
+        <a:solidFill>
+          <a:schemeClr val="tx1"/>
+        </a:solidFill>
+        <a:latin typeface="+mn-lt"/>
+        <a:ea typeface="+mn-ea"/>
+        <a:cs typeface="+mn-cs"/>
+      </a:defRPr>
+    </a:lvl2pPr>
+    <a:lvl3pPr marL="914400" algn="l" defTabSz="914400" rtl="0" eaLnBrk="1" latinLnBrk="0" hangingPunct="1">
+      <a:defRPr sz="1200" kern="1200">
+        <a:solidFill>
+          <a:schemeClr val="tx1"/>
+        </a:solidFill>
+        <a:latin typeface="+mn-lt"/>
+        <a:ea typeface="+mn-ea"/>
+        <a:cs typeface="+mn-cs"/>
+      </a:defRPr>
+    </a:lvl3pPr>
+    <a:lvl4pPr marL="1371600" algn="l" defTabSz="914400" rtl="0" eaLnBrk="1" latinLnBrk="0" hangingPunct="1">
+      <a:defRPr sz="1200" kern="1200">
+        <a:solidFill>
+          <a:schemeClr val="tx1"/>
+        </a:solidFill>
+        <a:latin typeface="+mn-lt"/>
+        <a:ea typeface="+mn-ea"/>
+        <a:cs typeface="+mn-cs"/>
+      </a:defRPr>
+    </a:lvl4pPr>
+    <a:lvl5pPr marL="1828800" algn="l" defTabSz="914400" rtl="0" eaLnBrk="1" latinLnBrk="0" hangingPunct="1">
+      <a:defRPr sz="1200" kern="1200">
+        <a:solidFill>
+          <a:schemeClr val="tx1"/>
+        </a:solidFill>
+        <a:latin typeface="+mn-lt"/>
+        <a:ea typeface="+mn-ea"/>
+        <a:cs typeface="+mn-cs"/>
+      </a:defRPr>
+    </a:lvl5pPr>
+    <a:lvl6pPr marL="2286000" algn="l" defTabSz="914400" rtl="0" eaLnBrk="1" latinLnBrk="0" hangingPunct="1">
+      <a:defRPr sz="1200" kern="1200">
+        <a:solidFill>
+          <a:schemeClr val="tx1"/>
+        </a:solidFill>
+        <a:latin typeface="+mn-lt"/>
+        <a:ea typeface="+mn-ea"/>
+        <a:cs typeface="+mn-cs"/>
+      </a:defRPr>
+    </a:lvl6pPr>
+    <a:lvl7pPr marL="2743200" algn="l" defTabSz="914400" rtl="0" eaLnBrk="1" latinLnBrk="0" hangingPunct="1">
+      <a:defRPr sz="1200" kern="1200">
+        <a:solidFill>
+          <a:schemeClr val="tx1"/>
+        </a:solidFill>
+        <a:latin typeface="+mn-lt"/>
+        <a:ea typeface="+mn-ea"/>
+        <a:cs typeface="+mn-cs"/>
+      </a:defRPr>
+    </a:lvl7pPr>
+    <a:lvl8pPr marL="3200400" algn="l" defTabSz="914400" rtl="0" eaLnBrk="1" latinLnBrk="0" hangingPunct="1">
+      <a:defRPr sz="1200" kern="1200">
+        <a:solidFill>
+          <a:schemeClr val="tx1"/>
+        </a:solidFill>
+        <a:latin typeface="+mn-lt"/>
+        <a:ea typeface="+mn-ea"/>
+        <a:cs typeface="+mn-cs"/>
+      </a:defRPr>
+    </a:lvl8pPr>
+    <a:lvl9pPr marL="3657600" algn="l" defTabSz="914400" rtl="0" eaLnBrk="1" latinLnBrk="0" hangingPunct="1">
+      <a:defRPr sz="1200" kern="1200">
+        <a:solidFill>
+          <a:schemeClr val="tx1"/>
+        </a:solidFill>
+        <a:latin typeface="+mn-lt"/>
+        <a:ea typeface="+mn-ea"/>
+        <a:cs typeface="+mn-cs"/>
+      </a:defRPr>
+    </a:lvl9pPr>
+  </p:notesStyle>
+</p:notesMaster>
+</file>
+
+<file path=ppt/notesSlides/notesSlide1.xml><?xml version="1.0" encoding="utf-8"?>
+<p:notes xmlns:a="http://schemas.openxmlformats.org/drawingml/2006/main" xmlns:r="http://schemas.openxmlformats.org/officeDocument/2006/relationships" xmlns:p="http://schemas.openxmlformats.org/presentationml/2006/main">
+  <p:cSld>
+    <p:spTree>
+      <p:nvGrpSpPr>
+        <p:cNvPr id="1" name=""/>
+        <p:cNvGrpSpPr/>
+        <p:nvPr/>
+      </p:nvGrpSpPr>
+      <p:grpSpPr>
+        <a:xfrm>
+          <a:off x="0" y="0"/>
+          <a:ext cx="0" cy="0"/>
+          <a:chOff x="0" y="0"/>
+          <a:chExt cx="0" cy="0"/>
+        </a:xfrm>
+      </p:grpSpPr>
+      <p:sp>
+        <p:nvSpPr>
+          <p:cNvPr id="2" name="投影片影像版面配置區 1"/>
+          <p:cNvSpPr>
+            <a:spLocks noGrp="1" noRot="1" noChangeAspect="1"/>
+          </p:cNvSpPr>
+          <p:nvPr>
+            <p:ph type="sldImg"/>
+          </p:nvPr>
+        </p:nvSpPr>
+        <p:spPr/>
+      </p:sp>
+      <p:sp>
+        <p:nvSpPr>
+          <p:cNvPr id="3" name="備忘稿版面配置區 2"/>
+          <p:cNvSpPr>
+            <a:spLocks noGrp="1"/>
+          </p:cNvSpPr>
+          <p:nvPr>
+            <p:ph type="body" idx="1"/>
+          </p:nvPr>
+        </p:nvSpPr>
+        <p:spPr/>
+        <p:txBody>
+          <a:bodyPr/>
+          <a:lstStyle/>
+          <a:p>
+            <a:r>
+              <a:rPr lang="zh-TW" altLang="en-US" dirty="0"/>
+              <a:t>因為</a:t>
+            </a:r>
+            <a:r>
+              <a:rPr lang="en-US" altLang="zh-TW" dirty="0"/>
+              <a:t>expected var 5&lt; expected var1 </a:t>
+            </a:r>
+            <a:r>
+              <a:rPr lang="zh-TW" altLang="en-US" dirty="0"/>
+              <a:t>老師只是比較</a:t>
+            </a:r>
+            <a:r>
+              <a:rPr lang="en-US" altLang="zh-TW" dirty="0"/>
+              <a:t>split1 / split5 </a:t>
+            </a:r>
+            <a:r>
+              <a:rPr lang="zh-TW" altLang="en-US" dirty="0"/>
+              <a:t>但是你必須確認所有的</a:t>
+            </a:r>
+            <a:r>
+              <a:rPr lang="en-US" altLang="zh-TW" dirty="0"/>
+              <a:t>split </a:t>
+            </a:r>
+            <a:r>
+              <a:rPr lang="zh-TW" altLang="en-US" dirty="0"/>
+              <a:t>但期末沒有這麼多時間 老師給的題目會很乾淨 他說的</a:t>
+            </a:r>
+            <a:r>
+              <a:rPr lang="en-US" altLang="zh-TW"/>
+              <a:t>..</a:t>
+            </a:r>
+          </a:p>
+          <a:p>
+            <a:endParaRPr lang="zh-TW" altLang="en-US" dirty="0"/>
+          </a:p>
+        </p:txBody>
+      </p:sp>
+      <p:sp>
+        <p:nvSpPr>
+          <p:cNvPr id="4" name="投影片編號版面配置區 3"/>
+          <p:cNvSpPr>
+            <a:spLocks noGrp="1"/>
+          </p:cNvSpPr>
+          <p:nvPr>
+            <p:ph type="sldNum" sz="quarter" idx="5"/>
+          </p:nvPr>
+        </p:nvSpPr>
+        <p:spPr/>
+        <p:txBody>
+          <a:bodyPr/>
+          <a:lstStyle/>
+          <a:p>
+            <a:fld id="{998C0009-8A3A-4F6B-95B2-F8940C9E0D6D}" type="slidenum">
+              <a:rPr lang="zh-TW" altLang="en-US" smtClean="0"/>
+              <a:t>16</a:t>
+            </a:fld>
+            <a:endParaRPr lang="zh-TW" altLang="en-US"/>
+          </a:p>
+        </p:txBody>
+      </p:sp>
+    </p:spTree>
+    <p:extLst>
+      <p:ext uri="{BB962C8B-B14F-4D97-AF65-F5344CB8AC3E}">
+        <p14:creationId xmlns:p14="http://schemas.microsoft.com/office/powerpoint/2010/main" val="2324077995"/>
+      </p:ext>
+    </p:extLst>
+  </p:cSld>
+  <p:clrMapOvr>
+    <a:masterClrMapping/>
+  </p:clrMapOvr>
+</p:notes>
+</file>
+
+<file path=ppt/notesSlides/notesSlide2.xml><?xml version="1.0" encoding="utf-8"?>
+<p:notes xmlns:a="http://schemas.openxmlformats.org/drawingml/2006/main" xmlns:r="http://schemas.openxmlformats.org/officeDocument/2006/relationships" xmlns:p="http://schemas.openxmlformats.org/presentationml/2006/main">
+  <p:cSld>
+    <p:spTree>
+      <p:nvGrpSpPr>
+        <p:cNvPr id="1" name=""/>
+        <p:cNvGrpSpPr/>
+        <p:nvPr/>
+      </p:nvGrpSpPr>
+      <p:grpSpPr>
+        <a:xfrm>
+          <a:off x="0" y="0"/>
+          <a:ext cx="0" cy="0"/>
+          <a:chOff x="0" y="0"/>
+          <a:chExt cx="0" cy="0"/>
+        </a:xfrm>
+      </p:grpSpPr>
+      <p:sp>
+        <p:nvSpPr>
+          <p:cNvPr id="2" name="投影片影像版面配置區 1"/>
+          <p:cNvSpPr>
+            <a:spLocks noGrp="1" noRot="1" noChangeAspect="1"/>
+          </p:cNvSpPr>
+          <p:nvPr>
+            <p:ph type="sldImg"/>
+          </p:nvPr>
+        </p:nvSpPr>
+        <p:spPr/>
+      </p:sp>
+      <p:sp>
+        <p:nvSpPr>
+          <p:cNvPr id="3" name="備忘稿版面配置區 2"/>
+          <p:cNvSpPr>
+            <a:spLocks noGrp="1"/>
+          </p:cNvSpPr>
+          <p:nvPr>
+            <p:ph type="body" idx="1"/>
+          </p:nvPr>
+        </p:nvSpPr>
+        <p:spPr/>
+        <p:txBody>
+          <a:bodyPr/>
+          <a:lstStyle/>
+          <a:p>
+            <a:r>
+              <a:rPr lang="zh-TW" altLang="en-US" dirty="0"/>
+              <a:t>有要做決策樹 </a:t>
+            </a:r>
+            <a:r>
+              <a:rPr lang="en-US" altLang="zh-TW" dirty="0"/>
+              <a:t>/ gradient boasting </a:t>
+            </a:r>
+            <a:endParaRPr lang="zh-TW" altLang="en-US" dirty="0"/>
+          </a:p>
+        </p:txBody>
+      </p:sp>
+      <p:sp>
+        <p:nvSpPr>
+          <p:cNvPr id="4" name="投影片編號版面配置區 3"/>
+          <p:cNvSpPr>
+            <a:spLocks noGrp="1"/>
+          </p:cNvSpPr>
+          <p:nvPr>
+            <p:ph type="sldNum" sz="quarter" idx="5"/>
+          </p:nvPr>
+        </p:nvSpPr>
+        <p:spPr/>
+        <p:txBody>
+          <a:bodyPr/>
+          <a:lstStyle/>
+          <a:p>
+            <a:fld id="{998C0009-8A3A-4F6B-95B2-F8940C9E0D6D}" type="slidenum">
+              <a:rPr lang="zh-TW" altLang="en-US" smtClean="0"/>
+              <a:t>17</a:t>
+            </a:fld>
+            <a:endParaRPr lang="zh-TW" altLang="en-US"/>
+          </a:p>
+        </p:txBody>
+      </p:sp>
+    </p:spTree>
+    <p:extLst>
+      <p:ext uri="{BB962C8B-B14F-4D97-AF65-F5344CB8AC3E}">
+        <p14:creationId xmlns:p14="http://schemas.microsoft.com/office/powerpoint/2010/main" val="2367176907"/>
+      </p:ext>
+    </p:extLst>
+  </p:cSld>
+  <p:clrMapOvr>
+    <a:masterClrMapping/>
+  </p:clrMapOvr>
+</p:notes>
+</file>
+
 <file path=ppt/slideLayouts/slideLayout1.xml><?xml version="1.0" encoding="utf-8"?>
 <p:sldLayout xmlns:a="http://schemas.openxmlformats.org/drawingml/2006/main" xmlns:r="http://schemas.openxmlformats.org/officeDocument/2006/relationships" xmlns:p="http://schemas.openxmlformats.org/presentationml/2006/main" type="title" preserve="1">
   <p:cSld name="標題投影片">
@@ -184,10 +746,9 @@
           </a:lstStyle>
           <a:p>
             <a:r>
-              <a:rPr lang="zh-TW" altLang="en-US" smtClean="0"/>
+              <a:rPr lang="zh-TW" altLang="en-US"/>
               <a:t>按一下以編輯母片標題樣式</a:t>
             </a:r>
-            <a:endParaRPr lang="zh-TW" altLang="en-US"/>
           </a:p>
         </p:txBody>
       </p:sp>
@@ -249,10 +810,9 @@
           </a:lstStyle>
           <a:p>
             <a:r>
-              <a:rPr lang="zh-TW" altLang="en-US" smtClean="0"/>
+              <a:rPr lang="zh-TW" altLang="en-US"/>
               <a:t>按一下以編輯母片副標題樣式</a:t>
             </a:r>
-            <a:endParaRPr lang="zh-TW" altLang="en-US"/>
           </a:p>
         </p:txBody>
       </p:sp>
@@ -273,7 +833,7 @@
           <a:p>
             <a:fld id="{F96F0BAB-F6F3-4D0F-BBFE-4849BFCCFF82}" type="datetimeFigureOut">
               <a:rPr lang="zh-TW" altLang="en-US" smtClean="0"/>
-              <a:t>2023/12/4</a:t>
+              <a:t>2023/12/5</a:t>
             </a:fld>
             <a:endParaRPr lang="zh-TW" altLang="en-US"/>
           </a:p>
@@ -367,10 +927,9 @@
           <a:lstStyle/>
           <a:p>
             <a:r>
-              <a:rPr lang="zh-TW" altLang="en-US" smtClean="0"/>
+              <a:rPr lang="zh-TW" altLang="en-US"/>
               <a:t>按一下以編輯母片標題樣式</a:t>
             </a:r>
-            <a:endParaRPr lang="zh-TW" altLang="en-US"/>
           </a:p>
         </p:txBody>
       </p:sp>
@@ -391,38 +950,37 @@
           <a:p>
             <a:pPr lvl="0"/>
             <a:r>
-              <a:rPr lang="zh-TW" altLang="en-US" smtClean="0"/>
+              <a:rPr lang="zh-TW" altLang="en-US"/>
               <a:t>編輯母片文字樣式</a:t>
             </a:r>
           </a:p>
           <a:p>
             <a:pPr lvl="1"/>
             <a:r>
-              <a:rPr lang="zh-TW" altLang="en-US" smtClean="0"/>
+              <a:rPr lang="zh-TW" altLang="en-US"/>
               <a:t>第二層</a:t>
             </a:r>
           </a:p>
           <a:p>
             <a:pPr lvl="2"/>
             <a:r>
-              <a:rPr lang="zh-TW" altLang="en-US" smtClean="0"/>
+              <a:rPr lang="zh-TW" altLang="en-US"/>
               <a:t>第三層</a:t>
             </a:r>
           </a:p>
           <a:p>
             <a:pPr lvl="3"/>
             <a:r>
-              <a:rPr lang="zh-TW" altLang="en-US" smtClean="0"/>
+              <a:rPr lang="zh-TW" altLang="en-US"/>
               <a:t>第四層</a:t>
             </a:r>
           </a:p>
           <a:p>
             <a:pPr lvl="4"/>
             <a:r>
-              <a:rPr lang="zh-TW" altLang="en-US" smtClean="0"/>
+              <a:rPr lang="zh-TW" altLang="en-US"/>
               <a:t>第五層</a:t>
             </a:r>
-            <a:endParaRPr lang="zh-TW" altLang="en-US"/>
           </a:p>
         </p:txBody>
       </p:sp>
@@ -443,7 +1001,7 @@
           <a:p>
             <a:fld id="{F96F0BAB-F6F3-4D0F-BBFE-4849BFCCFF82}" type="datetimeFigureOut">
               <a:rPr lang="zh-TW" altLang="en-US" smtClean="0"/>
-              <a:t>2023/12/4</a:t>
+              <a:t>2023/12/5</a:t>
             </a:fld>
             <a:endParaRPr lang="zh-TW" altLang="en-US"/>
           </a:p>
@@ -542,10 +1100,9 @@
           <a:lstStyle/>
           <a:p>
             <a:r>
-              <a:rPr lang="zh-TW" altLang="en-US" smtClean="0"/>
+              <a:rPr lang="zh-TW" altLang="en-US"/>
               <a:t>按一下以編輯母片標題樣式</a:t>
             </a:r>
-            <a:endParaRPr lang="zh-TW" altLang="en-US"/>
           </a:p>
         </p:txBody>
       </p:sp>
@@ -571,38 +1128,37 @@
           <a:p>
             <a:pPr lvl="0"/>
             <a:r>
-              <a:rPr lang="zh-TW" altLang="en-US" smtClean="0"/>
+              <a:rPr lang="zh-TW" altLang="en-US"/>
               <a:t>編輯母片文字樣式</a:t>
             </a:r>
           </a:p>
           <a:p>
             <a:pPr lvl="1"/>
             <a:r>
-              <a:rPr lang="zh-TW" altLang="en-US" smtClean="0"/>
+              <a:rPr lang="zh-TW" altLang="en-US"/>
               <a:t>第二層</a:t>
             </a:r>
           </a:p>
           <a:p>
             <a:pPr lvl="2"/>
             <a:r>
-              <a:rPr lang="zh-TW" altLang="en-US" smtClean="0"/>
+              <a:rPr lang="zh-TW" altLang="en-US"/>
               <a:t>第三層</a:t>
             </a:r>
           </a:p>
           <a:p>
             <a:pPr lvl="3"/>
             <a:r>
-              <a:rPr lang="zh-TW" altLang="en-US" smtClean="0"/>
+              <a:rPr lang="zh-TW" altLang="en-US"/>
               <a:t>第四層</a:t>
             </a:r>
           </a:p>
           <a:p>
             <a:pPr lvl="4"/>
             <a:r>
-              <a:rPr lang="zh-TW" altLang="en-US" smtClean="0"/>
+              <a:rPr lang="zh-TW" altLang="en-US"/>
               <a:t>第五層</a:t>
             </a:r>
-            <a:endParaRPr lang="zh-TW" altLang="en-US"/>
           </a:p>
         </p:txBody>
       </p:sp>
@@ -623,7 +1179,7 @@
           <a:p>
             <a:fld id="{F96F0BAB-F6F3-4D0F-BBFE-4849BFCCFF82}" type="datetimeFigureOut">
               <a:rPr lang="zh-TW" altLang="en-US" smtClean="0"/>
-              <a:t>2023/12/4</a:t>
+              <a:t>2023/12/5</a:t>
             </a:fld>
             <a:endParaRPr lang="zh-TW" altLang="en-US"/>
           </a:p>
@@ -722,10 +1278,9 @@
           <a:lstStyle/>
           <a:p>
             <a:r>
-              <a:rPr lang="zh-TW" altLang="en-US" smtClean="0"/>
+              <a:rPr lang="zh-TW" altLang="en-US"/>
               <a:t>按一下以編輯母片標題樣式</a:t>
             </a:r>
-            <a:endParaRPr lang="zh-TW" altLang="en-US"/>
           </a:p>
         </p:txBody>
       </p:sp>
@@ -751,38 +1306,37 @@
           <a:p>
             <a:pPr lvl="0"/>
             <a:r>
-              <a:rPr lang="zh-TW" altLang="en-US" smtClean="0"/>
+              <a:rPr lang="zh-TW" altLang="en-US"/>
               <a:t>按一下以編輯母片文字樣式</a:t>
             </a:r>
           </a:p>
           <a:p>
             <a:pPr lvl="1"/>
             <a:r>
-              <a:rPr lang="zh-TW" altLang="en-US" smtClean="0"/>
+              <a:rPr lang="zh-TW" altLang="en-US"/>
               <a:t>第二層</a:t>
             </a:r>
           </a:p>
           <a:p>
             <a:pPr lvl="2"/>
             <a:r>
-              <a:rPr lang="zh-TW" altLang="en-US" smtClean="0"/>
+              <a:rPr lang="zh-TW" altLang="en-US"/>
               <a:t>第三層</a:t>
             </a:r>
           </a:p>
           <a:p>
             <a:pPr lvl="3"/>
             <a:r>
-              <a:rPr lang="zh-TW" altLang="en-US" smtClean="0"/>
+              <a:rPr lang="zh-TW" altLang="en-US"/>
               <a:t>第四層</a:t>
             </a:r>
           </a:p>
           <a:p>
             <a:pPr lvl="4"/>
             <a:r>
-              <a:rPr lang="zh-TW" altLang="en-US" smtClean="0"/>
+              <a:rPr lang="zh-TW" altLang="en-US"/>
               <a:t>第五層</a:t>
             </a:r>
-            <a:endParaRPr lang="zh-TW" altLang="en-US"/>
           </a:p>
         </p:txBody>
       </p:sp>
@@ -808,38 +1362,37 @@
           <a:p>
             <a:pPr lvl="0"/>
             <a:r>
-              <a:rPr lang="zh-TW" altLang="en-US" smtClean="0"/>
+              <a:rPr lang="zh-TW" altLang="en-US"/>
               <a:t>按一下以編輯母片文字樣式</a:t>
             </a:r>
           </a:p>
           <a:p>
             <a:pPr lvl="1"/>
             <a:r>
-              <a:rPr lang="zh-TW" altLang="en-US" smtClean="0"/>
+              <a:rPr lang="zh-TW" altLang="en-US"/>
               <a:t>第二層</a:t>
             </a:r>
           </a:p>
           <a:p>
             <a:pPr lvl="2"/>
             <a:r>
-              <a:rPr lang="zh-TW" altLang="en-US" smtClean="0"/>
+              <a:rPr lang="zh-TW" altLang="en-US"/>
               <a:t>第三層</a:t>
             </a:r>
           </a:p>
           <a:p>
             <a:pPr lvl="3"/>
             <a:r>
-              <a:rPr lang="zh-TW" altLang="en-US" smtClean="0"/>
+              <a:rPr lang="zh-TW" altLang="en-US"/>
               <a:t>第四層</a:t>
             </a:r>
           </a:p>
           <a:p>
             <a:pPr lvl="4"/>
             <a:r>
-              <a:rPr lang="zh-TW" altLang="en-US" smtClean="0"/>
+              <a:rPr lang="zh-TW" altLang="en-US"/>
               <a:t>第五層</a:t>
             </a:r>
-            <a:endParaRPr lang="zh-TW" altLang="en-US"/>
           </a:p>
         </p:txBody>
       </p:sp>
@@ -865,38 +1418,37 @@
           <a:p>
             <a:pPr lvl="0"/>
             <a:r>
-              <a:rPr lang="zh-TW" altLang="en-US" smtClean="0"/>
+              <a:rPr lang="zh-TW" altLang="en-US"/>
               <a:t>按一下以編輯母片文字樣式</a:t>
             </a:r>
           </a:p>
           <a:p>
             <a:pPr lvl="1"/>
             <a:r>
-              <a:rPr lang="zh-TW" altLang="en-US" smtClean="0"/>
+              <a:rPr lang="zh-TW" altLang="en-US"/>
               <a:t>第二層</a:t>
             </a:r>
           </a:p>
           <a:p>
             <a:pPr lvl="2"/>
             <a:r>
-              <a:rPr lang="zh-TW" altLang="en-US" smtClean="0"/>
+              <a:rPr lang="zh-TW" altLang="en-US"/>
               <a:t>第三層</a:t>
             </a:r>
           </a:p>
           <a:p>
             <a:pPr lvl="3"/>
             <a:r>
-              <a:rPr lang="zh-TW" altLang="en-US" smtClean="0"/>
+              <a:rPr lang="zh-TW" altLang="en-US"/>
               <a:t>第四層</a:t>
             </a:r>
           </a:p>
           <a:p>
             <a:pPr lvl="4"/>
             <a:r>
-              <a:rPr lang="zh-TW" altLang="en-US" smtClean="0"/>
+              <a:rPr lang="zh-TW" altLang="en-US"/>
               <a:t>第五層</a:t>
             </a:r>
-            <a:endParaRPr lang="zh-TW" altLang="en-US"/>
           </a:p>
         </p:txBody>
       </p:sp>
@@ -929,7 +1481,7 @@
               <a:pPr>
                 <a:defRPr/>
               </a:pPr>
-              <a:t>112年12月4日星期一</a:t>
+              <a:t>112年12月5日星期二</a:t>
             </a:fld>
             <a:endParaRPr lang="en-US" altLang="zh-TW"/>
           </a:p>
@@ -1056,10 +1608,9 @@
           <a:lstStyle/>
           <a:p>
             <a:r>
-              <a:rPr lang="zh-TW" altLang="en-US" smtClean="0"/>
+              <a:rPr lang="zh-TW" altLang="en-US"/>
               <a:t>按一下以編輯母片標題樣式</a:t>
             </a:r>
-            <a:endParaRPr lang="zh-TW" altLang="en-US"/>
           </a:p>
         </p:txBody>
       </p:sp>
@@ -1085,38 +1636,37 @@
           <a:p>
             <a:pPr lvl="0"/>
             <a:r>
-              <a:rPr lang="zh-TW" altLang="en-US" smtClean="0"/>
+              <a:rPr lang="zh-TW" altLang="en-US"/>
               <a:t>按一下以編輯母片文字樣式</a:t>
             </a:r>
           </a:p>
           <a:p>
             <a:pPr lvl="1"/>
             <a:r>
-              <a:rPr lang="zh-TW" altLang="en-US" smtClean="0"/>
+              <a:rPr lang="zh-TW" altLang="en-US"/>
               <a:t>第二層</a:t>
             </a:r>
           </a:p>
           <a:p>
             <a:pPr lvl="2"/>
             <a:r>
-              <a:rPr lang="zh-TW" altLang="en-US" smtClean="0"/>
+              <a:rPr lang="zh-TW" altLang="en-US"/>
               <a:t>第三層</a:t>
             </a:r>
           </a:p>
           <a:p>
             <a:pPr lvl="3"/>
             <a:r>
-              <a:rPr lang="zh-TW" altLang="en-US" smtClean="0"/>
+              <a:rPr lang="zh-TW" altLang="en-US"/>
               <a:t>第四層</a:t>
             </a:r>
           </a:p>
           <a:p>
             <a:pPr lvl="4"/>
             <a:r>
-              <a:rPr lang="zh-TW" altLang="en-US" smtClean="0"/>
+              <a:rPr lang="zh-TW" altLang="en-US"/>
               <a:t>第五層</a:t>
             </a:r>
-            <a:endParaRPr lang="zh-TW" altLang="en-US"/>
           </a:p>
         </p:txBody>
       </p:sp>
@@ -1142,38 +1692,37 @@
           <a:p>
             <a:pPr lvl="0"/>
             <a:r>
-              <a:rPr lang="zh-TW" altLang="en-US" smtClean="0"/>
+              <a:rPr lang="zh-TW" altLang="en-US"/>
               <a:t>按一下以編輯母片文字樣式</a:t>
             </a:r>
           </a:p>
           <a:p>
             <a:pPr lvl="1"/>
             <a:r>
-              <a:rPr lang="zh-TW" altLang="en-US" smtClean="0"/>
+              <a:rPr lang="zh-TW" altLang="en-US"/>
               <a:t>第二層</a:t>
             </a:r>
           </a:p>
           <a:p>
             <a:pPr lvl="2"/>
             <a:r>
-              <a:rPr lang="zh-TW" altLang="en-US" smtClean="0"/>
+              <a:rPr lang="zh-TW" altLang="en-US"/>
               <a:t>第三層</a:t>
             </a:r>
           </a:p>
           <a:p>
             <a:pPr lvl="3"/>
             <a:r>
-              <a:rPr lang="zh-TW" altLang="en-US" smtClean="0"/>
+              <a:rPr lang="zh-TW" altLang="en-US"/>
               <a:t>第四層</a:t>
             </a:r>
           </a:p>
           <a:p>
             <a:pPr lvl="4"/>
             <a:r>
-              <a:rPr lang="zh-TW" altLang="en-US" smtClean="0"/>
+              <a:rPr lang="zh-TW" altLang="en-US"/>
               <a:t>第五層</a:t>
             </a:r>
-            <a:endParaRPr lang="zh-TW" altLang="en-US"/>
           </a:p>
         </p:txBody>
       </p:sp>
@@ -1206,7 +1755,7 @@
               <a:pPr>
                 <a:defRPr/>
               </a:pPr>
-              <a:t>112年12月4日星期一</a:t>
+              <a:t>112年12月5日星期二</a:t>
             </a:fld>
             <a:endParaRPr lang="en-US" altLang="zh-TW"/>
           </a:p>
@@ -1328,10 +1877,9 @@
           <a:lstStyle/>
           <a:p>
             <a:r>
-              <a:rPr lang="zh-TW" altLang="en-US" smtClean="0"/>
+              <a:rPr lang="zh-TW" altLang="en-US"/>
               <a:t>按一下以編輯母片標題樣式</a:t>
             </a:r>
-            <a:endParaRPr lang="zh-TW" altLang="en-US"/>
           </a:p>
         </p:txBody>
       </p:sp>
@@ -1352,38 +1900,37 @@
           <a:p>
             <a:pPr lvl="0"/>
             <a:r>
-              <a:rPr lang="zh-TW" altLang="en-US" smtClean="0"/>
+              <a:rPr lang="zh-TW" altLang="en-US"/>
               <a:t>編輯母片文字樣式</a:t>
             </a:r>
           </a:p>
           <a:p>
             <a:pPr lvl="1"/>
             <a:r>
-              <a:rPr lang="zh-TW" altLang="en-US" smtClean="0"/>
+              <a:rPr lang="zh-TW" altLang="en-US"/>
               <a:t>第二層</a:t>
             </a:r>
           </a:p>
           <a:p>
             <a:pPr lvl="2"/>
             <a:r>
-              <a:rPr lang="zh-TW" altLang="en-US" smtClean="0"/>
+              <a:rPr lang="zh-TW" altLang="en-US"/>
               <a:t>第三層</a:t>
             </a:r>
           </a:p>
           <a:p>
             <a:pPr lvl="3"/>
             <a:r>
-              <a:rPr lang="zh-TW" altLang="en-US" smtClean="0"/>
+              <a:rPr lang="zh-TW" altLang="en-US"/>
               <a:t>第四層</a:t>
             </a:r>
           </a:p>
           <a:p>
             <a:pPr lvl="4"/>
             <a:r>
-              <a:rPr lang="zh-TW" altLang="en-US" smtClean="0"/>
+              <a:rPr lang="zh-TW" altLang="en-US"/>
               <a:t>第五層</a:t>
             </a:r>
-            <a:endParaRPr lang="zh-TW" altLang="en-US"/>
           </a:p>
         </p:txBody>
       </p:sp>
@@ -1404,7 +1951,7 @@
           <a:p>
             <a:fld id="{F96F0BAB-F6F3-4D0F-BBFE-4849BFCCFF82}" type="datetimeFigureOut">
               <a:rPr lang="zh-TW" altLang="en-US" smtClean="0"/>
-              <a:t>2023/12/4</a:t>
+              <a:t>2023/12/5</a:t>
             </a:fld>
             <a:endParaRPr lang="zh-TW" altLang="en-US"/>
           </a:p>
@@ -1507,10 +2054,9 @@
           </a:lstStyle>
           <a:p>
             <a:r>
-              <a:rPr lang="zh-TW" altLang="en-US" smtClean="0"/>
+              <a:rPr lang="zh-TW" altLang="en-US"/>
               <a:t>按一下以編輯母片標題樣式</a:t>
             </a:r>
-            <a:endParaRPr lang="zh-TW" altLang="en-US"/>
           </a:p>
         </p:txBody>
       </p:sp>
@@ -1627,7 +2173,7 @@
           <a:p>
             <a:pPr lvl="0"/>
             <a:r>
-              <a:rPr lang="zh-TW" altLang="en-US" smtClean="0"/>
+              <a:rPr lang="zh-TW" altLang="en-US"/>
               <a:t>編輯母片文字樣式</a:t>
             </a:r>
           </a:p>
@@ -1650,7 +2196,7 @@
           <a:p>
             <a:fld id="{F96F0BAB-F6F3-4D0F-BBFE-4849BFCCFF82}" type="datetimeFigureOut">
               <a:rPr lang="zh-TW" altLang="en-US" smtClean="0"/>
-              <a:t>2023/12/4</a:t>
+              <a:t>2023/12/5</a:t>
             </a:fld>
             <a:endParaRPr lang="zh-TW" altLang="en-US"/>
           </a:p>
@@ -1744,10 +2290,9 @@
           <a:lstStyle/>
           <a:p>
             <a:r>
-              <a:rPr lang="zh-TW" altLang="en-US" smtClean="0"/>
+              <a:rPr lang="zh-TW" altLang="en-US"/>
               <a:t>按一下以編輯母片標題樣式</a:t>
             </a:r>
-            <a:endParaRPr lang="zh-TW" altLang="en-US"/>
           </a:p>
         </p:txBody>
       </p:sp>
@@ -1773,38 +2318,37 @@
           <a:p>
             <a:pPr lvl="0"/>
             <a:r>
-              <a:rPr lang="zh-TW" altLang="en-US" smtClean="0"/>
+              <a:rPr lang="zh-TW" altLang="en-US"/>
               <a:t>編輯母片文字樣式</a:t>
             </a:r>
           </a:p>
           <a:p>
             <a:pPr lvl="1"/>
             <a:r>
-              <a:rPr lang="zh-TW" altLang="en-US" smtClean="0"/>
+              <a:rPr lang="zh-TW" altLang="en-US"/>
               <a:t>第二層</a:t>
             </a:r>
           </a:p>
           <a:p>
             <a:pPr lvl="2"/>
             <a:r>
-              <a:rPr lang="zh-TW" altLang="en-US" smtClean="0"/>
+              <a:rPr lang="zh-TW" altLang="en-US"/>
               <a:t>第三層</a:t>
             </a:r>
           </a:p>
           <a:p>
             <a:pPr lvl="3"/>
             <a:r>
-              <a:rPr lang="zh-TW" altLang="en-US" smtClean="0"/>
+              <a:rPr lang="zh-TW" altLang="en-US"/>
               <a:t>第四層</a:t>
             </a:r>
           </a:p>
           <a:p>
             <a:pPr lvl="4"/>
             <a:r>
-              <a:rPr lang="zh-TW" altLang="en-US" smtClean="0"/>
+              <a:rPr lang="zh-TW" altLang="en-US"/>
               <a:t>第五層</a:t>
             </a:r>
-            <a:endParaRPr lang="zh-TW" altLang="en-US"/>
           </a:p>
         </p:txBody>
       </p:sp>
@@ -1830,38 +2374,37 @@
           <a:p>
             <a:pPr lvl="0"/>
             <a:r>
-              <a:rPr lang="zh-TW" altLang="en-US" smtClean="0"/>
+              <a:rPr lang="zh-TW" altLang="en-US"/>
               <a:t>編輯母片文字樣式</a:t>
             </a:r>
           </a:p>
           <a:p>
             <a:pPr lvl="1"/>
             <a:r>
-              <a:rPr lang="zh-TW" altLang="en-US" smtClean="0"/>
+              <a:rPr lang="zh-TW" altLang="en-US"/>
               <a:t>第二層</a:t>
             </a:r>
           </a:p>
           <a:p>
             <a:pPr lvl="2"/>
             <a:r>
-              <a:rPr lang="zh-TW" altLang="en-US" smtClean="0"/>
+              <a:rPr lang="zh-TW" altLang="en-US"/>
               <a:t>第三層</a:t>
             </a:r>
           </a:p>
           <a:p>
             <a:pPr lvl="3"/>
             <a:r>
-              <a:rPr lang="zh-TW" altLang="en-US" smtClean="0"/>
+              <a:rPr lang="zh-TW" altLang="en-US"/>
               <a:t>第四層</a:t>
             </a:r>
           </a:p>
           <a:p>
             <a:pPr lvl="4"/>
             <a:r>
-              <a:rPr lang="zh-TW" altLang="en-US" smtClean="0"/>
+              <a:rPr lang="zh-TW" altLang="en-US"/>
               <a:t>第五層</a:t>
             </a:r>
-            <a:endParaRPr lang="zh-TW" altLang="en-US"/>
           </a:p>
         </p:txBody>
       </p:sp>
@@ -1882,7 +2425,7 @@
           <a:p>
             <a:fld id="{F96F0BAB-F6F3-4D0F-BBFE-4849BFCCFF82}" type="datetimeFigureOut">
               <a:rPr lang="zh-TW" altLang="en-US" smtClean="0"/>
-              <a:t>2023/12/4</a:t>
+              <a:t>2023/12/5</a:t>
             </a:fld>
             <a:endParaRPr lang="zh-TW" altLang="en-US"/>
           </a:p>
@@ -1981,10 +2524,9 @@
           <a:lstStyle/>
           <a:p>
             <a:r>
-              <a:rPr lang="zh-TW" altLang="en-US" smtClean="0"/>
+              <a:rPr lang="zh-TW" altLang="en-US"/>
               <a:t>按一下以編輯母片標題樣式</a:t>
             </a:r>
-            <a:endParaRPr lang="zh-TW" altLang="en-US"/>
           </a:p>
         </p:txBody>
       </p:sp>
@@ -2047,7 +2589,7 @@
           <a:p>
             <a:pPr lvl="0"/>
             <a:r>
-              <a:rPr lang="zh-TW" altLang="en-US" smtClean="0"/>
+              <a:rPr lang="zh-TW" altLang="en-US"/>
               <a:t>編輯母片文字樣式</a:t>
             </a:r>
           </a:p>
@@ -2075,38 +2617,37 @@
           <a:p>
             <a:pPr lvl="0"/>
             <a:r>
-              <a:rPr lang="zh-TW" altLang="en-US" smtClean="0"/>
+              <a:rPr lang="zh-TW" altLang="en-US"/>
               <a:t>編輯母片文字樣式</a:t>
             </a:r>
           </a:p>
           <a:p>
             <a:pPr lvl="1"/>
             <a:r>
-              <a:rPr lang="zh-TW" altLang="en-US" smtClean="0"/>
+              <a:rPr lang="zh-TW" altLang="en-US"/>
               <a:t>第二層</a:t>
             </a:r>
           </a:p>
           <a:p>
             <a:pPr lvl="2"/>
             <a:r>
-              <a:rPr lang="zh-TW" altLang="en-US" smtClean="0"/>
+              <a:rPr lang="zh-TW" altLang="en-US"/>
               <a:t>第三層</a:t>
             </a:r>
           </a:p>
           <a:p>
             <a:pPr lvl="3"/>
             <a:r>
-              <a:rPr lang="zh-TW" altLang="en-US" smtClean="0"/>
+              <a:rPr lang="zh-TW" altLang="en-US"/>
               <a:t>第四層</a:t>
             </a:r>
           </a:p>
           <a:p>
             <a:pPr lvl="4"/>
             <a:r>
-              <a:rPr lang="zh-TW" altLang="en-US" smtClean="0"/>
+              <a:rPr lang="zh-TW" altLang="en-US"/>
               <a:t>第五層</a:t>
             </a:r>
-            <a:endParaRPr lang="zh-TW" altLang="en-US"/>
           </a:p>
         </p:txBody>
       </p:sp>
@@ -2169,7 +2710,7 @@
           <a:p>
             <a:pPr lvl="0"/>
             <a:r>
-              <a:rPr lang="zh-TW" altLang="en-US" smtClean="0"/>
+              <a:rPr lang="zh-TW" altLang="en-US"/>
               <a:t>編輯母片文字樣式</a:t>
             </a:r>
           </a:p>
@@ -2197,38 +2738,37 @@
           <a:p>
             <a:pPr lvl="0"/>
             <a:r>
-              <a:rPr lang="zh-TW" altLang="en-US" smtClean="0"/>
+              <a:rPr lang="zh-TW" altLang="en-US"/>
               <a:t>編輯母片文字樣式</a:t>
             </a:r>
           </a:p>
           <a:p>
             <a:pPr lvl="1"/>
             <a:r>
-              <a:rPr lang="zh-TW" altLang="en-US" smtClean="0"/>
+              <a:rPr lang="zh-TW" altLang="en-US"/>
               <a:t>第二層</a:t>
             </a:r>
           </a:p>
           <a:p>
             <a:pPr lvl="2"/>
             <a:r>
-              <a:rPr lang="zh-TW" altLang="en-US" smtClean="0"/>
+              <a:rPr lang="zh-TW" altLang="en-US"/>
               <a:t>第三層</a:t>
             </a:r>
           </a:p>
           <a:p>
             <a:pPr lvl="3"/>
             <a:r>
-              <a:rPr lang="zh-TW" altLang="en-US" smtClean="0"/>
+              <a:rPr lang="zh-TW" altLang="en-US"/>
               <a:t>第四層</a:t>
             </a:r>
           </a:p>
           <a:p>
             <a:pPr lvl="4"/>
             <a:r>
-              <a:rPr lang="zh-TW" altLang="en-US" smtClean="0"/>
+              <a:rPr lang="zh-TW" altLang="en-US"/>
               <a:t>第五層</a:t>
             </a:r>
-            <a:endParaRPr lang="zh-TW" altLang="en-US"/>
           </a:p>
         </p:txBody>
       </p:sp>
@@ -2249,7 +2789,7 @@
           <a:p>
             <a:fld id="{F96F0BAB-F6F3-4D0F-BBFE-4849BFCCFF82}" type="datetimeFigureOut">
               <a:rPr lang="zh-TW" altLang="en-US" smtClean="0"/>
-              <a:t>2023/12/4</a:t>
+              <a:t>2023/12/5</a:t>
             </a:fld>
             <a:endParaRPr lang="zh-TW" altLang="en-US"/>
           </a:p>
@@ -2343,10 +2883,9 @@
           <a:lstStyle/>
           <a:p>
             <a:r>
-              <a:rPr lang="zh-TW" altLang="en-US" smtClean="0"/>
+              <a:rPr lang="zh-TW" altLang="en-US"/>
               <a:t>按一下以編輯母片標題樣式</a:t>
             </a:r>
-            <a:endParaRPr lang="zh-TW" altLang="en-US"/>
           </a:p>
         </p:txBody>
       </p:sp>
@@ -2367,7 +2906,7 @@
           <a:p>
             <a:fld id="{F96F0BAB-F6F3-4D0F-BBFE-4849BFCCFF82}" type="datetimeFigureOut">
               <a:rPr lang="zh-TW" altLang="en-US" smtClean="0"/>
-              <a:t>2023/12/4</a:t>
+              <a:t>2023/12/5</a:t>
             </a:fld>
             <a:endParaRPr lang="zh-TW" altLang="en-US"/>
           </a:p>
@@ -2462,7 +3001,7 @@
           <a:p>
             <a:fld id="{F96F0BAB-F6F3-4D0F-BBFE-4849BFCCFF82}" type="datetimeFigureOut">
               <a:rPr lang="zh-TW" altLang="en-US" smtClean="0"/>
-              <a:t>2023/12/4</a:t>
+              <a:t>2023/12/5</a:t>
             </a:fld>
             <a:endParaRPr lang="zh-TW" altLang="en-US"/>
           </a:p>
@@ -2565,10 +3104,9 @@
           </a:lstStyle>
           <a:p>
             <a:r>
-              <a:rPr lang="zh-TW" altLang="en-US" smtClean="0"/>
+              <a:rPr lang="zh-TW" altLang="en-US"/>
               <a:t>按一下以編輯母片標題樣式</a:t>
             </a:r>
-            <a:endParaRPr lang="zh-TW" altLang="en-US"/>
           </a:p>
         </p:txBody>
       </p:sp>
@@ -2622,38 +3160,37 @@
           <a:p>
             <a:pPr lvl="0"/>
             <a:r>
-              <a:rPr lang="zh-TW" altLang="en-US" smtClean="0"/>
+              <a:rPr lang="zh-TW" altLang="en-US"/>
               <a:t>編輯母片文字樣式</a:t>
             </a:r>
           </a:p>
           <a:p>
             <a:pPr lvl="1"/>
             <a:r>
-              <a:rPr lang="zh-TW" altLang="en-US" smtClean="0"/>
+              <a:rPr lang="zh-TW" altLang="en-US"/>
               <a:t>第二層</a:t>
             </a:r>
           </a:p>
           <a:p>
             <a:pPr lvl="2"/>
             <a:r>
-              <a:rPr lang="zh-TW" altLang="en-US" smtClean="0"/>
+              <a:rPr lang="zh-TW" altLang="en-US"/>
               <a:t>第三層</a:t>
             </a:r>
           </a:p>
           <a:p>
             <a:pPr lvl="3"/>
             <a:r>
-              <a:rPr lang="zh-TW" altLang="en-US" smtClean="0"/>
+              <a:rPr lang="zh-TW" altLang="en-US"/>
               <a:t>第四層</a:t>
             </a:r>
           </a:p>
           <a:p>
             <a:pPr lvl="4"/>
             <a:r>
-              <a:rPr lang="zh-TW" altLang="en-US" smtClean="0"/>
+              <a:rPr lang="zh-TW" altLang="en-US"/>
               <a:t>第五層</a:t>
             </a:r>
-            <a:endParaRPr lang="zh-TW" altLang="en-US"/>
           </a:p>
         </p:txBody>
       </p:sp>
@@ -2716,7 +3253,7 @@
           <a:p>
             <a:pPr lvl="0"/>
             <a:r>
-              <a:rPr lang="zh-TW" altLang="en-US" smtClean="0"/>
+              <a:rPr lang="zh-TW" altLang="en-US"/>
               <a:t>編輯母片文字樣式</a:t>
             </a:r>
           </a:p>
@@ -2739,7 +3276,7 @@
           <a:p>
             <a:fld id="{F96F0BAB-F6F3-4D0F-BBFE-4849BFCCFF82}" type="datetimeFigureOut">
               <a:rPr lang="zh-TW" altLang="en-US" smtClean="0"/>
-              <a:t>2023/12/4</a:t>
+              <a:t>2023/12/5</a:t>
             </a:fld>
             <a:endParaRPr lang="zh-TW" altLang="en-US"/>
           </a:p>
@@ -2842,10 +3379,9 @@
           </a:lstStyle>
           <a:p>
             <a:r>
-              <a:rPr lang="zh-TW" altLang="en-US" smtClean="0"/>
+              <a:rPr lang="zh-TW" altLang="en-US"/>
               <a:t>按一下以編輯母片標題樣式</a:t>
             </a:r>
-            <a:endParaRPr lang="zh-TW" altLang="en-US"/>
           </a:p>
         </p:txBody>
       </p:sp>
@@ -2969,7 +3505,7 @@
           <a:p>
             <a:pPr lvl="0"/>
             <a:r>
-              <a:rPr lang="zh-TW" altLang="en-US" smtClean="0"/>
+              <a:rPr lang="zh-TW" altLang="en-US"/>
               <a:t>編輯母片文字樣式</a:t>
             </a:r>
           </a:p>
@@ -2992,7 +3528,7 @@
           <a:p>
             <a:fld id="{F96F0BAB-F6F3-4D0F-BBFE-4849BFCCFF82}" type="datetimeFigureOut">
               <a:rPr lang="zh-TW" altLang="en-US" smtClean="0"/>
-              <a:t>2023/12/4</a:t>
+              <a:t>2023/12/5</a:t>
             </a:fld>
             <a:endParaRPr lang="zh-TW" altLang="en-US"/>
           </a:p>
@@ -3101,10 +3637,9 @@
           <a:lstStyle/>
           <a:p>
             <a:r>
-              <a:rPr lang="zh-TW" altLang="en-US" smtClean="0"/>
+              <a:rPr lang="zh-TW" altLang="en-US"/>
               <a:t>按一下以編輯母片標題樣式</a:t>
             </a:r>
-            <a:endParaRPr lang="zh-TW" altLang="en-US"/>
           </a:p>
         </p:txBody>
       </p:sp>
@@ -3135,38 +3670,37 @@
           <a:p>
             <a:pPr lvl="0"/>
             <a:r>
-              <a:rPr lang="zh-TW" altLang="en-US" smtClean="0"/>
+              <a:rPr lang="zh-TW" altLang="en-US"/>
               <a:t>編輯母片文字樣式</a:t>
             </a:r>
           </a:p>
           <a:p>
             <a:pPr lvl="1"/>
             <a:r>
-              <a:rPr lang="zh-TW" altLang="en-US" smtClean="0"/>
+              <a:rPr lang="zh-TW" altLang="en-US"/>
               <a:t>第二層</a:t>
             </a:r>
           </a:p>
           <a:p>
             <a:pPr lvl="2"/>
             <a:r>
-              <a:rPr lang="zh-TW" altLang="en-US" smtClean="0"/>
+              <a:rPr lang="zh-TW" altLang="en-US"/>
               <a:t>第三層</a:t>
             </a:r>
           </a:p>
           <a:p>
             <a:pPr lvl="3"/>
             <a:r>
-              <a:rPr lang="zh-TW" altLang="en-US" smtClean="0"/>
+              <a:rPr lang="zh-TW" altLang="en-US"/>
               <a:t>第四層</a:t>
             </a:r>
           </a:p>
           <a:p>
             <a:pPr lvl="4"/>
             <a:r>
-              <a:rPr lang="zh-TW" altLang="en-US" smtClean="0"/>
+              <a:rPr lang="zh-TW" altLang="en-US"/>
               <a:t>第五層</a:t>
             </a:r>
-            <a:endParaRPr lang="zh-TW" altLang="en-US"/>
           </a:p>
         </p:txBody>
       </p:sp>
@@ -3205,7 +3739,7 @@
           <a:p>
             <a:fld id="{F96F0BAB-F6F3-4D0F-BBFE-4849BFCCFF82}" type="datetimeFigureOut">
               <a:rPr lang="zh-TW" altLang="en-US" smtClean="0"/>
-              <a:t>2023/12/4</a:t>
+              <a:t>2023/12/5</a:t>
             </a:fld>
             <a:endParaRPr lang="zh-TW" altLang="en-US"/>
           </a:p>
@@ -3628,7 +4162,7 @@
           <a:lstStyle/>
           <a:p>
             <a:r>
-              <a:rPr lang="en-US" altLang="zh-TW" dirty="0" smtClean="0"/>
+              <a:rPr lang="en-US" altLang="zh-TW" dirty="0"/>
               <a:t>Ensemble methods</a:t>
             </a:r>
             <a:endParaRPr lang="zh-TW" altLang="en-US" dirty="0"/>
@@ -3676,13 +4210,6 @@
       </p:transition>
     </mc:Fallback>
   </mc:AlternateContent>
-  <p:timing>
-    <p:tnLst>
-      <p:par>
-        <p:cTn id="1" dur="indefinite" restart="never" nodeType="tmRoot"/>
-      </p:par>
-    </p:tnLst>
-  </p:timing>
 </p:sld>
 </file>
 
@@ -3725,9 +4252,9 @@
                 <a:ea typeface="新細明體" charset="-120"/>
               </a:rPr>
               <a:pPr/>
-              <a:t>112年12月4日星期一</a:t>
+              <a:t>112年12月5日星期二</a:t>
             </a:fld>
-            <a:endParaRPr lang="en-US" altLang="zh-TW" smtClean="0">
+            <a:endParaRPr lang="en-US" altLang="zh-TW">
               <a:ea typeface="新細明體" charset="-120"/>
             </a:endParaRPr>
           </a:p>
@@ -3751,12 +4278,12 @@
           <a:lstStyle/>
           <a:p>
             <a:r>
-              <a:rPr lang="zh-TW" altLang="en-US" smtClean="0">
+              <a:rPr lang="zh-TW" altLang="en-US">
                 <a:ea typeface="新細明體" charset="-120"/>
               </a:rPr>
               <a:t>Data Mining: Concepts and Techniques</a:t>
             </a:r>
-            <a:endParaRPr lang="en-US" altLang="zh-TW" smtClean="0">
+            <a:endParaRPr lang="en-US" altLang="zh-TW">
               <a:ea typeface="新細明體" charset="-120"/>
             </a:endParaRPr>
           </a:p>
@@ -3786,7 +4313,7 @@
               <a:pPr/>
               <a:t>10</a:t>
             </a:fld>
-            <a:endParaRPr lang="en-US" altLang="zh-TW" smtClean="0">
+            <a:endParaRPr lang="en-US" altLang="zh-TW">
               <a:ea typeface="新細明體" charset="-120"/>
             </a:endParaRPr>
           </a:p>
@@ -4018,12 +4545,12 @@
           <a:graphicData uri="http://schemas.openxmlformats.org/presentationml/2006/ole">
             <mc:AlternateContent xmlns:mc="http://schemas.openxmlformats.org/markup-compatibility/2006">
               <mc:Choice xmlns:v="urn:schemas-microsoft-com:vml" Requires="v">
-                <p:oleObj spid="_x0000_s4114" name="Equation" r:id="rId3" imgW="583920" imgH="215640" progId="Equation.DSMT4">
+                <p:oleObj name="Equation" r:id="rId2" imgW="583920" imgH="215640" progId="Equation.DSMT4">
                   <p:embed/>
                 </p:oleObj>
               </mc:Choice>
               <mc:Fallback>
-                <p:oleObj name="Equation" r:id="rId3" imgW="583920" imgH="215640" progId="Equation.DSMT4">
+                <p:oleObj name="Equation" r:id="rId2" imgW="583920" imgH="215640" progId="Equation.DSMT4">
                   <p:embed/>
                   <p:pic>
                     <p:nvPicPr>
@@ -4034,7 +4561,7 @@
                       <p:nvPr/>
                     </p:nvPicPr>
                     <p:blipFill>
-                      <a:blip r:embed="rId4">
+                      <a:blip r:embed="rId3">
                         <a:extLst>
                           <a:ext uri="{28A0092B-C50C-407E-A947-70E740481C1C}">
                             <a14:useLocalDpi xmlns:a14="http://schemas.microsoft.com/office/drawing/2010/main" val="0"/>
@@ -4085,13 +4612,6 @@
   <p:transition>
     <p:zoom/>
   </p:transition>
-  <p:timing>
-    <p:tnLst>
-      <p:par>
-        <p:cTn id="1" dur="indefinite" restart="never" nodeType="tmRoot"/>
-      </p:par>
-    </p:tnLst>
-  </p:timing>
 </p:sld>
 </file>
 
@@ -4131,15 +4651,15 @@
           <a:p>
             <a:pPr algn="ctr"/>
             <a:r>
-              <a:rPr lang="en-US" altLang="zh-TW" b="1" dirty="0" smtClean="0"/>
+              <a:rPr lang="en-US" altLang="zh-TW" b="1" dirty="0"/>
               <a:t>Regression</a:t>
             </a:r>
             <a:r>
-              <a:rPr lang="en-US" altLang="zh-TW" dirty="0" smtClean="0"/>
+              <a:rPr lang="en-US" altLang="zh-TW" dirty="0"/>
               <a:t> </a:t>
             </a:r>
             <a:r>
-              <a:rPr lang="en-US" altLang="zh-TW" b="1" dirty="0" smtClean="0"/>
+              <a:rPr lang="en-US" altLang="zh-TW" b="1" dirty="0"/>
               <a:t>tree</a:t>
             </a:r>
             <a:endParaRPr lang="zh-TW" altLang="en-US" b="1" dirty="0"/>
@@ -4167,13 +4687,13 @@
           <a:lstStyle/>
           <a:p>
             <a:r>
-              <a:rPr lang="en-US" altLang="zh-TW" dirty="0" smtClean="0"/>
+              <a:rPr lang="en-US" altLang="zh-TW" dirty="0"/>
               <a:t>Decision tree for regression</a:t>
             </a:r>
           </a:p>
           <a:p>
             <a:r>
-              <a:rPr lang="en-US" altLang="zh-TW" dirty="0" smtClean="0"/>
+              <a:rPr lang="en-US" altLang="zh-TW" dirty="0"/>
               <a:t>Minimize expected variance in splitting a node</a:t>
             </a:r>
             <a:endParaRPr lang="zh-TW" altLang="en-US" dirty="0"/>
@@ -4193,13 +4713,6 @@
   <p:transition>
     <p:zoom/>
   </p:transition>
-  <p:timing>
-    <p:tnLst>
-      <p:par>
-        <p:cTn id="1" dur="indefinite" restart="never" nodeType="tmRoot"/>
-      </p:par>
-    </p:tnLst>
-  </p:timing>
 </p:sld>
 </file>
 
@@ -4238,7 +4751,7 @@
           <a:lstStyle/>
           <a:p>
             <a:r>
-              <a:rPr lang="en-US" altLang="zh-TW" dirty="0" smtClean="0"/>
+              <a:rPr lang="en-US" altLang="zh-TW" dirty="0"/>
               <a:t>Reference  links</a:t>
             </a:r>
             <a:endParaRPr lang="zh-TW" altLang="en-US" dirty="0"/>
@@ -4266,59 +4779,59 @@
           <a:lstStyle/>
           <a:p>
             <a:r>
-              <a:rPr lang="en-US" altLang="zh-TW" dirty="0" smtClean="0">
+              <a:rPr lang="en-US" altLang="zh-TW" dirty="0">
                 <a:hlinkClick r:id="rId2"/>
               </a:rPr>
               <a:t>Decision tree regression</a:t>
             </a:r>
-            <a:endParaRPr lang="en-US" altLang="zh-TW" dirty="0" smtClean="0"/>
-          </a:p>
-          <a:p>
-            <a:r>
-              <a:rPr lang="en-US" altLang="zh-TW" dirty="0" smtClean="0">
+            <a:endParaRPr lang="en-US" altLang="zh-TW" dirty="0"/>
+          </a:p>
+          <a:p>
+            <a:r>
+              <a:rPr lang="en-US" altLang="zh-TW" dirty="0">
                 <a:hlinkClick r:id="rId3"/>
               </a:rPr>
               <a:t>gradient-boosting-explained</a:t>
             </a:r>
-            <a:endParaRPr lang="en-US" altLang="zh-TW" dirty="0" smtClean="0"/>
-          </a:p>
-          <a:p>
-            <a:r>
-              <a:rPr lang="en-US" altLang="zh-TW" dirty="0" smtClean="0">
+            <a:endParaRPr lang="en-US" altLang="zh-TW" dirty="0"/>
+          </a:p>
+          <a:p>
+            <a:r>
+              <a:rPr lang="en-US" altLang="zh-TW" dirty="0">
                 <a:hlinkClick r:id="rId4"/>
               </a:rPr>
               <a:t>Math-in-gradient-boosting</a:t>
             </a:r>
-            <a:endParaRPr lang="en-US" altLang="zh-TW" dirty="0" smtClean="0">
-              <a:hlinkClick r:id=""/>
+            <a:endParaRPr lang="en-US" altLang="zh-TW" dirty="0">
+              <a:hlinkClick r:id="" action="ppaction://noaction"/>
             </a:endParaRPr>
           </a:p>
           <a:p>
             <a:r>
-              <a:rPr lang="en-US" altLang="zh-TW" dirty="0" smtClean="0">
-                <a:hlinkClick r:id=""/>
+              <a:rPr lang="en-US" altLang="zh-TW" dirty="0">
+                <a:hlinkClick r:id="" action="ppaction://noaction"/>
               </a:rPr>
               <a:t>Battle between random forest and gradient boosting</a:t>
             </a:r>
-            <a:endParaRPr lang="en-US" altLang="zh-TW" dirty="0" smtClean="0"/>
-          </a:p>
-          <a:p>
-            <a:r>
-              <a:rPr lang="en-US" altLang="zh-TW" dirty="0" smtClean="0">
+            <a:endParaRPr lang="en-US" altLang="zh-TW" dirty="0"/>
+          </a:p>
+          <a:p>
+            <a:r>
+              <a:rPr lang="en-US" altLang="zh-TW" dirty="0">
                 <a:hlinkClick r:id="rId5"/>
               </a:rPr>
               <a:t>Explained-in-Chinese</a:t>
             </a:r>
-            <a:endParaRPr lang="en-US" altLang="zh-TW" dirty="0" smtClean="0"/>
-          </a:p>
-          <a:p>
-            <a:r>
-              <a:rPr lang="en-US" altLang="zh-TW" dirty="0" smtClean="0">
+            <a:endParaRPr lang="en-US" altLang="zh-TW" dirty="0"/>
+          </a:p>
+          <a:p>
+            <a:r>
+              <a:rPr lang="en-US" altLang="zh-TW" dirty="0">
                 <a:hlinkClick r:id="rId6"/>
               </a:rPr>
               <a:t>Decision tree for regression</a:t>
             </a:r>
-            <a:endParaRPr lang="en-US" altLang="zh-TW" dirty="0" smtClean="0">
+            <a:endParaRPr lang="en-US" altLang="zh-TW" dirty="0">
               <a:hlinkClick r:id="rId7"/>
             </a:endParaRPr>
           </a:p>
@@ -4347,7 +4860,7 @@
               <a:pPr>
                 <a:defRPr/>
               </a:pPr>
-              <a:t>112年12月4日星期一</a:t>
+              <a:t>112年12月5日星期二</a:t>
             </a:fld>
             <a:endParaRPr lang="en-US" altLang="zh-TW"/>
           </a:p>
@@ -4372,7 +4885,7 @@
               <a:defRPr/>
             </a:pPr>
             <a:r>
-              <a:rPr lang="zh-TW" altLang="en-US" smtClean="0"/>
+              <a:rPr lang="zh-TW" altLang="en-US"/>
               <a:t>Data Mining: Concepts and Techniques</a:t>
             </a:r>
             <a:endParaRPr lang="en-US" altLang="zh-TW"/>
@@ -4421,13 +4934,6 @@
   <p:transition>
     <p:zoom/>
   </p:transition>
-  <p:timing>
-    <p:tnLst>
-      <p:par>
-        <p:cTn id="1" dur="indefinite" restart="never" nodeType="tmRoot"/>
-      </p:par>
-    </p:tnLst>
-  </p:timing>
 </p:sld>
 </file>
 
@@ -4466,7 +4972,7 @@
           <a:lstStyle/>
           <a:p>
             <a:r>
-              <a:rPr lang="en-US" altLang="zh-TW" dirty="0" smtClean="0"/>
+              <a:rPr lang="en-US" altLang="zh-TW" dirty="0"/>
               <a:t>Decision Tree Splitting Method #1: Reduction in Variance</a:t>
             </a:r>
             <a:endParaRPr lang="zh-TW" altLang="en-US" dirty="0"/>
@@ -4496,11 +5002,11 @@
           <a:lstStyle/>
           <a:p>
             <a:r>
-              <a:rPr lang="en-US" altLang="zh-TW" sz="3200" dirty="0" smtClean="0"/>
+              <a:rPr lang="en-US" altLang="zh-TW" sz="3200" dirty="0"/>
               <a:t>Reduction in Variance is a method for </a:t>
             </a:r>
             <a:r>
-              <a:rPr lang="en-US" altLang="zh-TW" sz="3200" dirty="0" smtClean="0">
+              <a:rPr lang="en-US" altLang="zh-TW" sz="3200" dirty="0">
                 <a:solidFill>
                   <a:srgbClr val="FF0000"/>
                 </a:solidFill>
@@ -4508,27 +5014,27 @@
               <a:t>splitting the node used when the target variable is continuous</a:t>
             </a:r>
             <a:r>
-              <a:rPr lang="en-US" altLang="zh-TW" sz="3200" dirty="0" smtClean="0"/>
+              <a:rPr lang="en-US" altLang="zh-TW" sz="3200" dirty="0"/>
               <a:t>, i.e., regression problems. It is so-called because it uses variance to decide the feature to split a node into child nodes.</a:t>
             </a:r>
           </a:p>
           <a:p>
-            <a:endParaRPr lang="en-US" altLang="zh-TW" sz="3200" dirty="0" smtClean="0"/>
-          </a:p>
-          <a:p>
             <a:endParaRPr lang="en-US" altLang="zh-TW" sz="3200" dirty="0"/>
           </a:p>
           <a:p>
-            <a:endParaRPr lang="en-US" altLang="zh-TW" sz="3200" dirty="0" smtClean="0"/>
-          </a:p>
-          <a:p>
-            <a:r>
-              <a:rPr lang="en-US" altLang="zh-TW" sz="3200" dirty="0" smtClean="0"/>
+            <a:endParaRPr lang="en-US" altLang="zh-TW" sz="3200" dirty="0"/>
+          </a:p>
+          <a:p>
+            <a:endParaRPr lang="en-US" altLang="zh-TW" sz="3200" dirty="0"/>
+          </a:p>
+          <a:p>
+            <a:r>
+              <a:rPr lang="en-US" altLang="zh-TW" sz="3200" dirty="0"/>
               <a:t>Variance is used for calculating the homogeneity of a node. If a node is entirely homogeneous, then the variance is zero.</a:t>
             </a:r>
           </a:p>
           <a:p>
-            <a:endParaRPr lang="en-US" altLang="zh-TW" sz="3200" dirty="0" smtClean="0"/>
+            <a:endParaRPr lang="en-US" altLang="zh-TW" sz="3200" dirty="0"/>
           </a:p>
           <a:p>
             <a:endParaRPr lang="zh-TW" altLang="en-US" sz="3200" dirty="0"/>
@@ -4598,13 +5104,6 @@
       </p:transition>
     </mc:Fallback>
   </mc:AlternateContent>
-  <p:timing>
-    <p:tnLst>
-      <p:par>
-        <p:cTn id="1" dur="indefinite" restart="never" nodeType="tmRoot"/>
-      </p:par>
-    </p:tnLst>
-  </p:timing>
 </p:sld>
 </file>
 
@@ -4663,20 +5162,12 @@
           <a:p>
             <a:pPr lvl="0"/>
             <a:r>
-              <a:rPr lang="en-US" altLang="zh-TW" sz="3200" dirty="0" smtClean="0">
-                <a:solidFill>
-                  <a:prstClr val="black"/>
-                </a:solidFill>
-              </a:rPr>
-              <a:t>Steps </a:t>
-            </a:r>
-            <a:r>
               <a:rPr lang="en-US" altLang="zh-TW" sz="3200" dirty="0">
                 <a:solidFill>
                   <a:prstClr val="black"/>
                 </a:solidFill>
               </a:rPr>
-              <a:t>to split a decision tree using reduction in variance:</a:t>
+              <a:t>Steps to split a decision tree using reduction in variance:</a:t>
             </a:r>
           </a:p>
           <a:p>
@@ -4712,37 +5203,24 @@
                   <a:prstClr val="black"/>
                 </a:solidFill>
               </a:rPr>
-              <a:t>Calculate the variance of each split as the weighted average variance of child </a:t>
-            </a:r>
-            <a:r>
-              <a:rPr lang="en-US" altLang="zh-TW" sz="2800" dirty="0" smtClean="0">
+              <a:t>Calculate the variance of each split as the weighted average variance of child nodes </a:t>
+            </a:r>
+            <a:r>
+              <a:rPr lang="en-US" altLang="zh-TW" sz="2800" dirty="0">
+                <a:solidFill>
+                  <a:srgbClr val="FF0000"/>
+                </a:solidFill>
+              </a:rPr>
+              <a:t>(minimize expected variance</a:t>
+            </a:r>
+            <a:r>
+              <a:rPr lang="en-US" altLang="zh-TW" sz="2800" dirty="0">
                 <a:solidFill>
                   <a:prstClr val="black"/>
                 </a:solidFill>
               </a:rPr>
-              <a:t>nodes </a:t>
-            </a:r>
-            <a:r>
-              <a:rPr lang="en-US" altLang="zh-TW" sz="2800" dirty="0" smtClean="0">
-                <a:solidFill>
-                  <a:srgbClr val="FF0000"/>
-                </a:solidFill>
-              </a:rPr>
-              <a:t>(minimize expected variance</a:t>
-            </a:r>
-            <a:r>
-              <a:rPr lang="en-US" altLang="zh-TW" sz="2800" dirty="0" smtClean="0">
-                <a:solidFill>
-                  <a:prstClr val="black"/>
-                </a:solidFill>
-              </a:rPr>
               <a:t>)</a:t>
             </a:r>
-            <a:endParaRPr lang="en-US" altLang="zh-TW" sz="2800" dirty="0">
-              <a:solidFill>
-                <a:prstClr val="black"/>
-              </a:solidFill>
-            </a:endParaRPr>
           </a:p>
           <a:p>
             <a:pPr marL="971550" lvl="1" indent="-514350">
@@ -4755,21 +5233,8 @@
                   <a:prstClr val="black"/>
                 </a:solidFill>
               </a:rPr>
-              <a:t>Select the split with the lowest </a:t>
-            </a:r>
-            <a:r>
-              <a:rPr lang="en-US" altLang="zh-TW" sz="2800" dirty="0" smtClean="0">
-                <a:solidFill>
-                  <a:prstClr val="black"/>
-                </a:solidFill>
-              </a:rPr>
-              <a:t>expected variance</a:t>
-            </a:r>
-            <a:endParaRPr lang="en-US" altLang="zh-TW" sz="2800" dirty="0">
-              <a:solidFill>
-                <a:prstClr val="black"/>
-              </a:solidFill>
-            </a:endParaRPr>
+              <a:t>Select the split with the lowest expected variance</a:t>
+            </a:r>
           </a:p>
           <a:p>
             <a:pPr marL="971550" lvl="1" indent="-514350">
@@ -4777,28 +5242,12 @@
               <a:buAutoNum type="arabicPeriod"/>
             </a:pPr>
             <a:r>
-              <a:rPr lang="en-US" altLang="zh-TW" sz="2800" dirty="0" smtClean="0">
-                <a:solidFill>
-                  <a:prstClr val="black"/>
-                </a:solidFill>
-              </a:rPr>
-              <a:t>Perform </a:t>
-            </a:r>
-            <a:r>
               <a:rPr lang="en-US" altLang="zh-TW" sz="2800" dirty="0">
                 <a:solidFill>
                   <a:prstClr val="black"/>
                 </a:solidFill>
               </a:rPr>
-              <a:t>steps 1-3 until completely homogeneous nodes are </a:t>
-            </a:r>
-            <a:r>
-              <a:rPr lang="en-US" altLang="zh-TW" sz="2800" dirty="0" smtClean="0">
-                <a:solidFill>
-                  <a:prstClr val="black"/>
-                </a:solidFill>
-              </a:rPr>
-              <a:t>achieved</a:t>
+              <a:t>Perform steps 1-3 until completely homogeneous nodes are achieved</a:t>
             </a:r>
           </a:p>
           <a:p>
@@ -4807,7 +5256,7 @@
               <a:buAutoNum type="arabicPeriod"/>
             </a:pPr>
             <a:r>
-              <a:rPr lang="en-US" altLang="zh-TW" sz="2800" dirty="0" smtClean="0">
+              <a:rPr lang="en-US" altLang="zh-TW" sz="2800" dirty="0">
                 <a:solidFill>
                   <a:prstClr val="black"/>
                 </a:solidFill>
@@ -4847,13 +5296,6 @@
       </p:transition>
     </mc:Fallback>
   </mc:AlternateContent>
-  <p:timing>
-    <p:tnLst>
-      <p:par>
-        <p:cTn id="1" dur="indefinite" restart="never" nodeType="tmRoot"/>
-      </p:par>
-    </p:tnLst>
-  </p:timing>
 </p:sld>
 </file>
 
@@ -5069,7 +5511,7 @@
                   </m:oMath>
                 </a14:m>
                 <a:r>
-                  <a:rPr lang="en-US" altLang="zh-TW" b="0" dirty="0" smtClean="0"/>
+                  <a:rPr lang="en-US" altLang="zh-TW" b="0" dirty="0"/>
                   <a:t>    </a:t>
                 </a:r>
                 <a14:m>
@@ -5114,55 +5556,51 @@
                   </m:oMath>
                 </a14:m>
                 <a:r>
-                  <a:rPr lang="en-US" altLang="zh-TW" dirty="0" err="1" smtClean="0"/>
+                  <a:rPr lang="en-US" altLang="zh-TW" dirty="0" err="1"/>
                   <a:t>var</a:t>
                 </a:r>
                 <a:r>
-                  <a:rPr lang="en-US" altLang="zh-TW" dirty="0" smtClean="0"/>
+                  <a:rPr lang="en-US" altLang="zh-TW" dirty="0"/>
                   <a:t>(</a:t>
                 </a:r>
                 <a:r>
-                  <a:rPr lang="en-US" altLang="zh-TW" dirty="0" err="1" smtClean="0"/>
+                  <a:rPr lang="en-US" altLang="zh-TW" dirty="0" err="1"/>
                   <a:t>Y</a:t>
                 </a:r>
                 <a:r>
-                  <a:rPr lang="en-US" altLang="zh-TW" baseline="-25000" dirty="0" err="1" smtClean="0"/>
+                  <a:rPr lang="en-US" altLang="zh-TW" baseline="-25000" dirty="0" err="1"/>
                   <a:t>l</a:t>
                 </a:r>
                 <a:r>
-                  <a:rPr lang="en-US" altLang="zh-TW" dirty="0" smtClean="0"/>
-                  <a:t>) </a:t>
-                </a:r>
-                <a:r>
                   <a:rPr lang="en-US" altLang="zh-TW" dirty="0"/>
-                  <a:t>+</a:t>
+                  <a:t>) +</a:t>
                 </a:r>
                 <a:r>
                   <a:rPr lang="en-US" altLang="zh-TW" dirty="0" err="1"/>
                   <a:t>P</a:t>
                 </a:r>
                 <a:r>
-                  <a:rPr lang="en-US" altLang="zh-TW" baseline="-25000" dirty="0" err="1" smtClean="0"/>
+                  <a:rPr lang="en-US" altLang="zh-TW" baseline="-25000" dirty="0" err="1"/>
                   <a:t>r</a:t>
                 </a:r>
                 <a:r>
-                  <a:rPr lang="en-US" altLang="zh-TW" dirty="0" err="1" smtClean="0"/>
+                  <a:rPr lang="en-US" altLang="zh-TW" dirty="0" err="1"/>
                   <a:t>Var</a:t>
                 </a:r>
                 <a:r>
-                  <a:rPr lang="en-US" altLang="zh-TW" dirty="0" smtClean="0"/>
+                  <a:rPr lang="en-US" altLang="zh-TW" dirty="0"/>
                   <a:t>(</a:t>
                 </a:r>
                 <a:r>
-                  <a:rPr lang="en-US" altLang="zh-TW" dirty="0" err="1" smtClean="0"/>
+                  <a:rPr lang="en-US" altLang="zh-TW" dirty="0" err="1"/>
                   <a:t>Y</a:t>
                 </a:r>
                 <a:r>
-                  <a:rPr lang="en-US" altLang="zh-TW" baseline="-25000" dirty="0" err="1" smtClean="0"/>
+                  <a:rPr lang="en-US" altLang="zh-TW" baseline="-25000" dirty="0" err="1"/>
                   <a:t>r</a:t>
                 </a:r>
                 <a:r>
-                  <a:rPr lang="en-US" altLang="zh-TW" dirty="0" smtClean="0"/>
+                  <a:rPr lang="en-US" altLang="zh-TW" dirty="0"/>
                   <a:t>)]</a:t>
                 </a:r>
               </a:p>
@@ -5197,7 +5635,7 @@
                   </m:oMath>
                 </a14:m>
                 <a:r>
-                  <a:rPr lang="en-US" altLang="zh-TW" dirty="0" smtClean="0"/>
+                  <a:rPr lang="en-US" altLang="zh-TW" dirty="0"/>
                   <a:t> : variable j</a:t>
                 </a:r>
               </a:p>
@@ -5324,20 +5762,20 @@
                     </m:sSub>
                   </m:oMath>
                 </a14:m>
-                <a:endParaRPr lang="en-US" altLang="zh-TW" dirty="0" smtClean="0"/>
+                <a:endParaRPr lang="en-US" altLang="zh-TW" dirty="0"/>
               </a:p>
               <a:p>
                 <a:endParaRPr lang="en-US" altLang="zh-TW" dirty="0"/>
               </a:p>
               <a:p>
                 <a:r>
-                  <a:rPr lang="en-US" altLang="zh-TW" dirty="0" smtClean="0"/>
+                  <a:rPr lang="en-US" altLang="zh-TW" dirty="0"/>
                   <a:t>Divide the dataset at a node into two parts to minimize the expected variance</a:t>
                 </a:r>
               </a:p>
               <a:p>
                 <a:r>
-                  <a:rPr lang="en-US" altLang="zh-TW" dirty="0" smtClean="0"/>
+                  <a:rPr lang="en-US" altLang="zh-TW" dirty="0"/>
                   <a:t>Divide into two parts with maximum homogeneity</a:t>
                 </a:r>
               </a:p>
@@ -5400,13 +5838,6 @@
       </p:transition>
     </mc:Fallback>
   </mc:AlternateContent>
-  <p:timing>
-    <p:tnLst>
-      <p:par>
-        <p:cTn id="1" dur="indefinite" restart="never" nodeType="tmRoot"/>
-      </p:par>
-    </p:tnLst>
-  </p:timing>
 </p:sld>
 </file>
 
@@ -5454,7 +5885,6 @@
           </p:cNvGraphicFramePr>
           <p:nvPr>
             <p:ph idx="1"/>
-            <p:extLst/>
           </p:nvPr>
         </p:nvGraphicFramePr>
         <p:xfrm>
@@ -6633,7 +7063,7 @@
           <a:lstStyle/>
           <a:p>
             <a:r>
-              <a:rPr lang="en-US" altLang="zh-TW" u="sng" dirty="0" smtClean="0"/>
+              <a:rPr lang="en-US" altLang="zh-TW" u="sng" dirty="0"/>
               <a:t>Split 1: X=(1+2)/2=1.5</a:t>
             </a:r>
             <a:endParaRPr lang="zh-TW" altLang="en-US" u="sng" dirty="0"/>
@@ -6663,24 +7093,36 @@
           <a:lstStyle/>
           <a:p>
             <a:r>
-              <a:rPr lang="en-US" altLang="zh-TW" dirty="0" smtClean="0"/>
+              <a:rPr lang="en-US" altLang="zh-TW" dirty="0"/>
               <a:t>Expected  </a:t>
             </a:r>
             <a:r>
-              <a:rPr lang="en-US" altLang="zh-TW" dirty="0" err="1" smtClean="0"/>
+              <a:rPr lang="en-US" altLang="zh-TW" dirty="0" err="1"/>
               <a:t>Var</a:t>
             </a:r>
             <a:r>
-              <a:rPr lang="en-US" altLang="zh-TW" dirty="0" smtClean="0"/>
+              <a:rPr lang="en-US" altLang="zh-TW" dirty="0"/>
               <a:t>=1/14*0 +13/14 *(66.24/13) </a:t>
             </a:r>
           </a:p>
           <a:p>
             <a:r>
-              <a:rPr lang="en-US" altLang="zh-TW" dirty="0" smtClean="0"/>
-              <a:t>= 66.24/14=4.73</a:t>
-            </a:r>
-            <a:endParaRPr lang="zh-TW" altLang="en-US" dirty="0"/>
+              <a:rPr lang="en-US" altLang="zh-TW" dirty="0"/>
+              <a:t>= </a:t>
+            </a:r>
+            <a:r>
+              <a:rPr lang="en-US" altLang="zh-TW" dirty="0">
+                <a:solidFill>
+                  <a:srgbClr val="FF0000"/>
+                </a:solidFill>
+              </a:rPr>
+              <a:t>66.24/14=4.73</a:t>
+            </a:r>
+            <a:endParaRPr lang="zh-TW" altLang="en-US" dirty="0">
+              <a:solidFill>
+                <a:srgbClr val="FF0000"/>
+              </a:solidFill>
+            </a:endParaRPr>
           </a:p>
         </p:txBody>
       </p:sp>
@@ -6707,17 +7149,17 @@
           <a:lstStyle/>
           <a:p>
             <a:r>
-              <a:rPr lang="en-US" altLang="zh-TW" dirty="0" smtClean="0"/>
+              <a:rPr lang="en-US" altLang="zh-TW" dirty="0"/>
               <a:t>Mean=3.9</a:t>
             </a:r>
           </a:p>
           <a:p>
             <a:r>
-              <a:rPr lang="en-US" altLang="zh-TW" dirty="0" err="1" smtClean="0"/>
+              <a:rPr lang="en-US" altLang="zh-TW" dirty="0" err="1"/>
               <a:t>Var</a:t>
             </a:r>
             <a:r>
-              <a:rPr lang="en-US" altLang="zh-TW" dirty="0" smtClean="0"/>
+              <a:rPr lang="en-US" altLang="zh-TW" dirty="0"/>
               <a:t>=66.24</a:t>
             </a:r>
           </a:p>
@@ -6749,7 +7191,7 @@
           <a:lstStyle/>
           <a:p>
             <a:r>
-              <a:rPr lang="en-US" altLang="zh-TW" u="sng" dirty="0" smtClean="0"/>
+              <a:rPr lang="en-US" altLang="zh-TW" u="sng" dirty="0"/>
               <a:t>X=(5+6)/2=5.5</a:t>
             </a:r>
             <a:endParaRPr lang="zh-TW" altLang="en-US" u="sng" dirty="0"/>
@@ -6779,17 +7221,17 @@
           <a:lstStyle/>
           <a:p>
             <a:r>
-              <a:rPr lang="en-US" altLang="zh-TW" dirty="0" smtClean="0"/>
+              <a:rPr lang="en-US" altLang="zh-TW" dirty="0"/>
               <a:t>Mean=1.14</a:t>
             </a:r>
           </a:p>
           <a:p>
             <a:r>
-              <a:rPr lang="en-US" altLang="zh-TW" dirty="0" err="1" smtClean="0"/>
+              <a:rPr lang="en-US" altLang="zh-TW" dirty="0" err="1"/>
               <a:t>Var</a:t>
             </a:r>
             <a:r>
-              <a:rPr lang="en-US" altLang="zh-TW" dirty="0" smtClean="0"/>
+              <a:rPr lang="en-US" altLang="zh-TW" dirty="0"/>
               <a:t>=0.112</a:t>
             </a:r>
           </a:p>
@@ -6821,17 +7263,17 @@
           <a:lstStyle/>
           <a:p>
             <a:r>
-              <a:rPr lang="en-US" altLang="zh-TW" dirty="0" smtClean="0"/>
+              <a:rPr lang="en-US" altLang="zh-TW" dirty="0"/>
               <a:t>Mean=5.11</a:t>
             </a:r>
           </a:p>
           <a:p>
             <a:r>
-              <a:rPr lang="en-US" altLang="zh-TW" dirty="0" err="1" smtClean="0"/>
+              <a:rPr lang="en-US" altLang="zh-TW" dirty="0" err="1"/>
               <a:t>Var</a:t>
             </a:r>
             <a:r>
-              <a:rPr lang="en-US" altLang="zh-TW" dirty="0" smtClean="0"/>
+              <a:rPr lang="en-US" altLang="zh-TW" dirty="0"/>
               <a:t>=18.74</a:t>
             </a:r>
           </a:p>
@@ -6863,24 +7305,36 @@
           <a:lstStyle/>
           <a:p>
             <a:r>
-              <a:rPr lang="en-US" altLang="zh-TW" dirty="0" smtClean="0"/>
+              <a:rPr lang="en-US" altLang="zh-TW" dirty="0"/>
               <a:t>Expected  </a:t>
             </a:r>
             <a:r>
-              <a:rPr lang="en-US" altLang="zh-TW" dirty="0" err="1" smtClean="0"/>
+              <a:rPr lang="en-US" altLang="zh-TW" dirty="0" err="1"/>
               <a:t>Var</a:t>
             </a:r>
             <a:r>
-              <a:rPr lang="en-US" altLang="zh-TW" dirty="0" smtClean="0"/>
+              <a:rPr lang="en-US" altLang="zh-TW" dirty="0"/>
               <a:t>=5/14*(0.112/5) +9/14 *(18.74/9)</a:t>
             </a:r>
           </a:p>
           <a:p>
             <a:r>
-              <a:rPr lang="en-US" altLang="zh-TW" dirty="0" smtClean="0"/>
-              <a:t> = 12.09/14=0.86</a:t>
-            </a:r>
-            <a:endParaRPr lang="zh-TW" altLang="en-US" dirty="0"/>
+              <a:rPr lang="en-US" altLang="zh-TW" dirty="0"/>
+              <a:t> = </a:t>
+            </a:r>
+            <a:r>
+              <a:rPr lang="en-US" altLang="zh-TW" dirty="0">
+                <a:solidFill>
+                  <a:srgbClr val="FF0000"/>
+                </a:solidFill>
+              </a:rPr>
+              <a:t>12.09/14=0.86</a:t>
+            </a:r>
+            <a:endParaRPr lang="zh-TW" altLang="en-US" dirty="0">
+              <a:solidFill>
+                <a:srgbClr val="FF0000"/>
+              </a:solidFill>
+            </a:endParaRPr>
           </a:p>
         </p:txBody>
       </p:sp>
@@ -6981,7 +7435,7 @@
           <a:lstStyle/>
           <a:p>
             <a:r>
-              <a:rPr lang="en-US" altLang="zh-TW" dirty="0" smtClean="0"/>
+              <a:rPr lang="en-US" altLang="zh-TW" dirty="0"/>
               <a:t>X&lt;=5.5</a:t>
             </a:r>
             <a:endParaRPr lang="zh-TW" altLang="en-US" dirty="0"/>
@@ -7010,13 +7464,6 @@
       </p:transition>
     </mc:Fallback>
   </mc:AlternateContent>
-  <p:timing>
-    <p:tnLst>
-      <p:par>
-        <p:cTn id="1" dur="indefinite" restart="never" nodeType="tmRoot"/>
-      </p:par>
-    </p:tnLst>
-  </p:timing>
 </p:sld>
 </file>
 
@@ -7067,7 +7514,7 @@
           </p:nvPr>
         </p:nvPicPr>
         <p:blipFill>
-          <a:blip r:embed="rId2"/>
+          <a:blip r:embed="rId3"/>
           <a:stretch>
             <a:fillRect/>
           </a:stretch>
@@ -7104,13 +7551,6 @@
       </p:transition>
     </mc:Fallback>
   </mc:AlternateContent>
-  <p:timing>
-    <p:tnLst>
-      <p:par>
-        <p:cTn id="1" dur="indefinite" restart="never" nodeType="tmRoot"/>
-      </p:par>
-    </p:tnLst>
-  </p:timing>
 </p:sld>
 </file>
 
@@ -7198,13 +7638,6 @@
       </p:transition>
     </mc:Fallback>
   </mc:AlternateContent>
-  <p:timing>
-    <p:tnLst>
-      <p:par>
-        <p:cTn id="1" dur="indefinite" restart="never" nodeType="tmRoot"/>
-      </p:par>
-    </p:tnLst>
-  </p:timing>
 </p:sld>
 </file>
 
@@ -7241,17 +7674,17 @@
           <a:lstStyle/>
           <a:p>
             <a:r>
-              <a:rPr lang="en-US" altLang="zh-TW" dirty="0" smtClean="0"/>
+              <a:rPr lang="en-US" altLang="zh-TW" dirty="0"/>
               <a:t>F0(x) uses a </a:t>
             </a:r>
             <a:r>
-              <a:rPr lang="en-US" altLang="zh-TW" dirty="0" smtClean="0">
+              <a:rPr lang="en-US" altLang="zh-TW" dirty="0">
                 <a:sym typeface="Symbol" panose="05050102010706020507" pitchFamily="18" charset="2"/>
               </a:rPr>
               <a:t> </a:t>
             </a:r>
             <a:r>
-              <a:rPr lang="en-US" altLang="zh-TW" dirty="0" smtClean="0"/>
+              <a:rPr lang="en-US" altLang="zh-TW" dirty="0"/>
               <a:t>constant to predict </a:t>
             </a:r>
             <a:endParaRPr lang="zh-TW" altLang="en-US" dirty="0"/>
@@ -7359,9 +7792,9 @@
                 <a:ea typeface="新細明體" charset="-120"/>
               </a:rPr>
               <a:pPr/>
-              <a:t>112年12月4日星期一</a:t>
+              <a:t>112年12月5日星期二</a:t>
             </a:fld>
-            <a:endParaRPr lang="en-US" altLang="zh-TW" smtClean="0">
+            <a:endParaRPr lang="en-US" altLang="zh-TW">
               <a:ea typeface="新細明體" charset="-120"/>
             </a:endParaRPr>
           </a:p>
@@ -7385,12 +7818,12 @@
           <a:lstStyle/>
           <a:p>
             <a:r>
-              <a:rPr lang="zh-TW" altLang="en-US" smtClean="0">
+              <a:rPr lang="zh-TW" altLang="en-US">
                 <a:ea typeface="新細明體" charset="-120"/>
               </a:rPr>
               <a:t>Data Mining: Concepts and Techniques</a:t>
             </a:r>
-            <a:endParaRPr lang="en-US" altLang="zh-TW" smtClean="0">
+            <a:endParaRPr lang="en-US" altLang="zh-TW">
               <a:ea typeface="新細明體" charset="-120"/>
             </a:endParaRPr>
           </a:p>
@@ -7420,7 +7853,7 @@
               <a:pPr/>
               <a:t>2</a:t>
             </a:fld>
-            <a:endParaRPr lang="en-US" altLang="zh-TW" smtClean="0">
+            <a:endParaRPr lang="en-US" altLang="zh-TW">
               <a:ea typeface="新細明體" charset="-120"/>
             </a:endParaRPr>
           </a:p>
@@ -7485,17 +7918,8 @@
               <a:rPr lang="en-US" altLang="zh-TW" sz="3200" b="1" dirty="0">
                 <a:ea typeface="新細明體" charset="-120"/>
               </a:rPr>
-              <a:t>Ensemble Methods: </a:t>
-            </a:r>
-            <a:r>
-              <a:rPr lang="en-US" altLang="zh-TW" sz="3200" b="1" dirty="0" smtClean="0">
-                <a:ea typeface="新細明體" charset="-120"/>
-              </a:rPr>
-              <a:t>Increase prediction accuracy using base Learners</a:t>
-            </a:r>
-            <a:endParaRPr lang="en-US" altLang="zh-TW" sz="3200" b="1" dirty="0">
-              <a:ea typeface="新細明體" charset="-120"/>
-            </a:endParaRPr>
+              <a:t>Ensemble Methods: Increase prediction accuracy using base Learners</a:t>
+            </a:r>
           </a:p>
         </p:txBody>
       </p:sp>
@@ -7542,64 +7966,61 @@
               <a:rPr lang="en-US" altLang="zh-TW" dirty="0">
                 <a:ea typeface="新細明體" charset="-120"/>
               </a:rPr>
-              <a:t>Combine a series of </a:t>
-            </a:r>
-            <a:r>
-              <a:rPr lang="en-US" altLang="zh-TW" dirty="0" smtClean="0">
-                <a:ea typeface="新細明體" charset="-120"/>
-              </a:rPr>
-              <a:t>k-learned </a:t>
+              <a:t>Combine a series of k-learned models, M</a:t>
+            </a:r>
+            <a:r>
+              <a:rPr lang="en-US" altLang="zh-TW" baseline="-25000" dirty="0">
+                <a:ea typeface="新細明體" charset="-120"/>
+              </a:rPr>
+              <a:t>1</a:t>
             </a:r>
             <a:r>
               <a:rPr lang="en-US" altLang="zh-TW" dirty="0">
                 <a:ea typeface="新細明體" charset="-120"/>
               </a:rPr>
-              <a:t>models, M</a:t>
+              <a:t>, M</a:t>
             </a:r>
             <a:r>
               <a:rPr lang="en-US" altLang="zh-TW" baseline="-25000" dirty="0">
                 <a:ea typeface="新細明體" charset="-120"/>
               </a:rPr>
-              <a:t>1</a:t>
+              <a:t>2</a:t>
             </a:r>
             <a:r>
               <a:rPr lang="en-US" altLang="zh-TW" dirty="0">
                 <a:ea typeface="新細明體" charset="-120"/>
               </a:rPr>
-              <a:t>, M</a:t>
+              <a:t>, …, M</a:t>
             </a:r>
             <a:r>
               <a:rPr lang="en-US" altLang="zh-TW" baseline="-25000" dirty="0">
                 <a:ea typeface="新細明體" charset="-120"/>
               </a:rPr>
-              <a:t>2</a:t>
+              <a:t>k</a:t>
             </a:r>
             <a:r>
               <a:rPr lang="en-US" altLang="zh-TW" dirty="0">
                 <a:ea typeface="新細明體" charset="-120"/>
               </a:rPr>
-              <a:t>, …, M</a:t>
-            </a:r>
-            <a:r>
-              <a:rPr lang="en-US" altLang="zh-TW" baseline="-25000" dirty="0">
-                <a:ea typeface="新細明體" charset="-120"/>
-              </a:rPr>
-              <a:t>k</a:t>
-            </a:r>
+              <a:t>, with the aim of creating an improved model M*</a:t>
+            </a:r>
+          </a:p>
+          <a:p>
+            <a:pPr eaLnBrk="1" hangingPunct="1"/>
+            <a:r>
+              <a:rPr lang="en-US" altLang="zh-TW" sz="2400" dirty="0">
+                <a:ea typeface="新細明體" charset="-120"/>
+              </a:rPr>
+              <a:t>Popular ensemble methods</a:t>
+            </a:r>
+          </a:p>
+          <a:p>
+            <a:pPr lvl="1" eaLnBrk="1" hangingPunct="1"/>
             <a:r>
               <a:rPr lang="en-US" altLang="zh-TW" dirty="0">
                 <a:ea typeface="新細明體" charset="-120"/>
               </a:rPr>
-              <a:t>, with the aim of creating an improved model M*</a:t>
-            </a:r>
-          </a:p>
-          <a:p>
-            <a:pPr eaLnBrk="1" hangingPunct="1"/>
-            <a:r>
-              <a:rPr lang="en-US" altLang="zh-TW" sz="2400" dirty="0">
-                <a:ea typeface="新細明體" charset="-120"/>
-              </a:rPr>
-              <a:t>Popular ensemble methods</a:t>
+              <a:t>Bagging: averaging the prediction over a collection of classifiers</a:t>
             </a:r>
           </a:p>
           <a:p>
@@ -7608,26 +8029,8 @@
               <a:rPr lang="en-US" altLang="zh-TW" dirty="0">
                 <a:ea typeface="新細明體" charset="-120"/>
               </a:rPr>
-              <a:t>Bagging: averaging the prediction over a collection of classifiers</a:t>
-            </a:r>
-          </a:p>
-          <a:p>
-            <a:pPr lvl="1" eaLnBrk="1" hangingPunct="1"/>
-            <a:r>
-              <a:rPr lang="en-US" altLang="zh-TW" dirty="0">
-                <a:ea typeface="新細明體" charset="-120"/>
-              </a:rPr>
-              <a:t>Boosting: weighted vote with a collection of </a:t>
-            </a:r>
-            <a:r>
-              <a:rPr lang="en-US" altLang="zh-TW" dirty="0" smtClean="0">
-                <a:ea typeface="新細明體" charset="-120"/>
-              </a:rPr>
-              <a:t>classifiers</a:t>
-            </a:r>
-            <a:endParaRPr lang="en-US" altLang="zh-TW" dirty="0">
-              <a:ea typeface="新細明體" charset="-120"/>
-            </a:endParaRPr>
+              <a:t>Boosting: weighted vote with a collection of classifiers</a:t>
+            </a:r>
           </a:p>
         </p:txBody>
       </p:sp>
@@ -7653,13 +8056,6 @@
       </p:transition>
     </mc:Fallback>
   </mc:AlternateContent>
-  <p:timing>
-    <p:tnLst>
-      <p:par>
-        <p:cTn id="1" dur="indefinite" restart="never" nodeType="tmRoot"/>
-      </p:par>
-    </p:tnLst>
-  </p:timing>
 </p:sld>
 </file>
 
@@ -7696,25 +8092,25 @@
           <a:lstStyle/>
           <a:p>
             <a:r>
-              <a:rPr lang="zh-TW" altLang="en-US" dirty="0" smtClean="0">
+              <a:rPr lang="zh-TW" altLang="en-US" dirty="0">
                 <a:sym typeface="Symbol" panose="05050102010706020507" pitchFamily="18" charset="2"/>
               </a:rPr>
               <a:t> </a:t>
             </a:r>
             <a:r>
-              <a:rPr lang="en-US" altLang="zh-TW" dirty="0" smtClean="0">
+              <a:rPr lang="en-US" altLang="zh-TW" dirty="0">
                 <a:sym typeface="Symbol" panose="05050102010706020507" pitchFamily="18" charset="2"/>
               </a:rPr>
               <a:t>Is the mean of </a:t>
             </a:r>
             <a:r>
-              <a:rPr lang="en-US" altLang="zh-TW" dirty="0" err="1" smtClean="0">
+              <a:rPr lang="en-US" altLang="zh-TW" dirty="0" err="1">
                 <a:sym typeface="Symbol" panose="05050102010706020507" pitchFamily="18" charset="2"/>
               </a:rPr>
               <a:t>y</a:t>
             </a:r>
             <a:r>
-              <a:rPr lang="en-US" altLang="zh-TW" baseline="-25000" dirty="0" err="1" smtClean="0">
+              <a:rPr lang="en-US" altLang="zh-TW" baseline="-25000" dirty="0" err="1">
                 <a:sym typeface="Symbol" panose="05050102010706020507" pitchFamily="18" charset="2"/>
               </a:rPr>
               <a:t>i</a:t>
@@ -7818,7 +8214,7 @@
           <a:lstStyle/>
           <a:p>
             <a:r>
-              <a:rPr lang="en-US" altLang="zh-TW" dirty="0" smtClean="0"/>
+              <a:rPr lang="en-US" altLang="zh-TW" dirty="0"/>
               <a:t>Residual y-F0</a:t>
             </a:r>
             <a:endParaRPr lang="zh-TW" altLang="en-US" dirty="0"/>
@@ -7920,7 +8316,7 @@
           <a:lstStyle/>
           <a:p>
             <a:r>
-              <a:rPr lang="en-US" altLang="zh-TW" dirty="0" smtClean="0"/>
+              <a:rPr lang="en-US" altLang="zh-TW" dirty="0"/>
               <a:t>Build a regression stump to predict residuals</a:t>
             </a:r>
             <a:endParaRPr lang="zh-TW" altLang="en-US" dirty="0"/>
@@ -8022,7 +8418,7 @@
           <a:lstStyle/>
           <a:p>
             <a:r>
-              <a:rPr lang="en-US" altLang="zh-TW" dirty="0" smtClean="0"/>
+              <a:rPr lang="en-US" altLang="zh-TW" dirty="0"/>
               <a:t>F1=F0+h1</a:t>
             </a:r>
             <a:endParaRPr lang="zh-TW" altLang="en-US" dirty="0"/>
@@ -8124,7 +8520,7 @@
           <a:lstStyle/>
           <a:p>
             <a:r>
-              <a:rPr lang="en-US" altLang="zh-TW" dirty="0" smtClean="0"/>
+              <a:rPr lang="en-US" altLang="zh-TW" dirty="0"/>
               <a:t>New residuals</a:t>
             </a:r>
             <a:endParaRPr lang="zh-TW" altLang="en-US" dirty="0"/>
@@ -8266,7 +8662,7 @@
           <a:lstStyle/>
           <a:p>
             <a:r>
-              <a:rPr lang="en-US" altLang="zh-TW" dirty="0" smtClean="0"/>
+              <a:rPr lang="en-US" altLang="zh-TW" dirty="0"/>
               <a:t>Build h2 to predict y-F1</a:t>
             </a:r>
             <a:endParaRPr lang="zh-TW" altLang="en-US" dirty="0"/>
@@ -8408,7 +8804,7 @@
           <a:lstStyle/>
           <a:p>
             <a:r>
-              <a:rPr lang="en-US" altLang="zh-TW" dirty="0" smtClean="0"/>
+              <a:rPr lang="en-US" altLang="zh-TW" dirty="0"/>
               <a:t>F2=F0+h1+h2----additive model</a:t>
             </a:r>
             <a:endParaRPr lang="zh-TW" altLang="en-US" dirty="0"/>
@@ -8510,7 +8906,7 @@
           <a:lstStyle/>
           <a:p>
             <a:r>
-              <a:rPr lang="en-US" altLang="zh-TW" dirty="0" smtClean="0"/>
+              <a:rPr lang="en-US" altLang="zh-TW" dirty="0"/>
               <a:t>Reduce MSEs</a:t>
             </a:r>
             <a:endParaRPr lang="zh-TW" altLang="en-US" dirty="0"/>
@@ -8601,7 +8997,7 @@
           <a:lstStyle/>
           <a:p>
             <a:r>
-              <a:rPr lang="en-US" altLang="zh-TW" dirty="0" smtClean="0"/>
+              <a:rPr lang="en-US" altLang="zh-TW" dirty="0"/>
               <a:t>Why gradient?</a:t>
             </a:r>
             <a:endParaRPr lang="zh-TW" altLang="en-US" dirty="0"/>
@@ -8705,7 +9101,7 @@
           <a:lstStyle/>
           <a:p>
             <a:r>
-              <a:rPr lang="en-US" altLang="zh-TW" sz="2800" dirty="0" smtClean="0">
+              <a:rPr lang="en-US" altLang="zh-TW" sz="2800" dirty="0">
                 <a:solidFill>
                   <a:srgbClr val="FF0000"/>
                 </a:solidFill>
@@ -8713,7 +9109,7 @@
               <a:t>So</a:t>
             </a:r>
             <a:r>
-              <a:rPr lang="en-US" altLang="zh-TW" dirty="0" smtClean="0">
+              <a:rPr lang="en-US" altLang="zh-TW" dirty="0">
                 <a:solidFill>
                   <a:srgbClr val="FF0000"/>
                 </a:solidFill>
@@ -8721,7 +9117,7 @@
               <a:t>, </a:t>
             </a:r>
             <a:r>
-              <a:rPr lang="en-US" altLang="zh-TW" sz="3200" dirty="0" smtClean="0">
+              <a:rPr lang="en-US" altLang="zh-TW" sz="3200" dirty="0">
                 <a:solidFill>
                   <a:srgbClr val="FF0000"/>
                 </a:solidFill>
@@ -8729,7 +9125,7 @@
               <a:t>the</a:t>
             </a:r>
             <a:r>
-              <a:rPr lang="en-US" altLang="zh-TW" dirty="0" smtClean="0">
+              <a:rPr lang="en-US" altLang="zh-TW" dirty="0">
                 <a:solidFill>
                   <a:srgbClr val="FF0000"/>
                 </a:solidFill>
@@ -8737,7 +9133,7 @@
               <a:t> </a:t>
             </a:r>
             <a:r>
-              <a:rPr lang="en-US" altLang="zh-TW" sz="3200" dirty="0" smtClean="0">
+              <a:rPr lang="en-US" altLang="zh-TW" sz="3200" dirty="0">
                 <a:solidFill>
                   <a:srgbClr val="FF0000"/>
                 </a:solidFill>
@@ -8891,9 +9287,9 @@
                 <a:ea typeface="新細明體" charset="-120"/>
               </a:rPr>
               <a:pPr/>
-              <a:t>112年12月4日星期一</a:t>
+              <a:t>112年12月5日星期二</a:t>
             </a:fld>
-            <a:endParaRPr lang="en-US" altLang="zh-TW" smtClean="0">
+            <a:endParaRPr lang="en-US" altLang="zh-TW">
               <a:ea typeface="新細明體" charset="-120"/>
             </a:endParaRPr>
           </a:p>
@@ -8917,12 +9313,12 @@
           <a:lstStyle/>
           <a:p>
             <a:r>
-              <a:rPr lang="zh-TW" altLang="en-US" smtClean="0">
+              <a:rPr lang="zh-TW" altLang="en-US">
                 <a:ea typeface="新細明體" charset="-120"/>
               </a:rPr>
               <a:t>Data Mining: Concepts and Techniques</a:t>
             </a:r>
-            <a:endParaRPr lang="en-US" altLang="zh-TW" smtClean="0">
+            <a:endParaRPr lang="en-US" altLang="zh-TW">
               <a:ea typeface="新細明體" charset="-120"/>
             </a:endParaRPr>
           </a:p>
@@ -8952,7 +9348,7 @@
               <a:pPr/>
               <a:t>3</a:t>
             </a:fld>
-            <a:endParaRPr lang="en-US" altLang="zh-TW" smtClean="0">
+            <a:endParaRPr lang="en-US" altLang="zh-TW">
               <a:ea typeface="新細明體" charset="-120"/>
             </a:endParaRPr>
           </a:p>
@@ -8975,7 +9371,7 @@
           <a:p>
             <a:pPr algn="ctr" eaLnBrk="1" hangingPunct="1"/>
             <a:r>
-              <a:rPr lang="en-US" altLang="zh-TW" dirty="0" smtClean="0">
+              <a:rPr lang="en-US" altLang="zh-TW" dirty="0">
                 <a:ea typeface="新細明體" charset="-120"/>
               </a:rPr>
               <a:t>General Idea</a:t>
@@ -9001,12 +9397,12 @@
           <a:graphicData uri="http://schemas.openxmlformats.org/presentationml/2006/ole">
             <mc:AlternateContent xmlns:mc="http://schemas.openxmlformats.org/markup-compatibility/2006">
               <mc:Choice xmlns:v="urn:schemas-microsoft-com:vml" Requires="v">
-                <p:oleObj spid="_x0000_s1048" name="Visio" r:id="rId3" imgW="9740951" imgH="7320219" progId="Visio.Drawing.11">
+                <p:oleObj name="Visio" r:id="rId2" imgW="9740951" imgH="7320219" progId="Visio.Drawing.11">
                   <p:embed/>
                 </p:oleObj>
               </mc:Choice>
               <mc:Fallback>
-                <p:oleObj name="Visio" r:id="rId3" imgW="9740951" imgH="7320219" progId="Visio.Drawing.11">
+                <p:oleObj name="Visio" r:id="rId2" imgW="9740951" imgH="7320219" progId="Visio.Drawing.11">
                   <p:embed/>
                   <p:pic>
                     <p:nvPicPr>
@@ -9017,7 +9413,7 @@
                       <p:nvPr/>
                     </p:nvPicPr>
                     <p:blipFill>
-                      <a:blip r:embed="rId4">
+                      <a:blip r:embed="rId3">
                         <a:extLst>
                           <a:ext uri="{28A0092B-C50C-407E-A947-70E740481C1C}">
                             <a14:useLocalDpi xmlns:a14="http://schemas.microsoft.com/office/drawing/2010/main" val="0"/>
@@ -9100,13 +9496,6 @@
       </p:transition>
     </mc:Fallback>
   </mc:AlternateContent>
-  <p:timing>
-    <p:tnLst>
-      <p:par>
-        <p:cTn id="1" dur="indefinite" restart="never" nodeType="tmRoot"/>
-      </p:par>
-    </p:tnLst>
-  </p:timing>
 </p:sld>
 </file>
 
@@ -9143,7 +9532,7 @@
           <a:lstStyle/>
           <a:p>
             <a:r>
-              <a:rPr lang="en-US" altLang="zh-TW" dirty="0" smtClean="0"/>
+              <a:rPr lang="en-US" altLang="zh-TW" dirty="0"/>
               <a:t>How is it related to gradient descent?</a:t>
             </a:r>
             <a:endParaRPr lang="zh-TW" altLang="en-US" dirty="0"/>
@@ -9303,9 +9692,9 @@
                 <a:ea typeface="新細明體" charset="-120"/>
               </a:rPr>
               <a:pPr/>
-              <a:t>112年12月4日星期一</a:t>
+              <a:t>112年12月5日星期二</a:t>
             </a:fld>
-            <a:endParaRPr lang="en-US" altLang="zh-TW" smtClean="0">
+            <a:endParaRPr lang="en-US" altLang="zh-TW">
               <a:ea typeface="新細明體" charset="-120"/>
             </a:endParaRPr>
           </a:p>
@@ -9329,12 +9718,12 @@
           <a:lstStyle/>
           <a:p>
             <a:r>
-              <a:rPr lang="zh-TW" altLang="en-US" smtClean="0">
+              <a:rPr lang="zh-TW" altLang="en-US">
                 <a:ea typeface="新細明體" charset="-120"/>
               </a:rPr>
               <a:t>Data Mining: Concepts and Techniques</a:t>
             </a:r>
-            <a:endParaRPr lang="en-US" altLang="zh-TW" smtClean="0">
+            <a:endParaRPr lang="en-US" altLang="zh-TW">
               <a:ea typeface="新細明體" charset="-120"/>
             </a:endParaRPr>
           </a:p>
@@ -9364,7 +9753,7 @@
               <a:pPr/>
               <a:t>4</a:t>
             </a:fld>
-            <a:endParaRPr lang="en-US" altLang="zh-TW" smtClean="0">
+            <a:endParaRPr lang="en-US" altLang="zh-TW">
               <a:ea typeface="新細明體" charset="-120"/>
             </a:endParaRPr>
           </a:p>
@@ -9387,7 +9776,7 @@
           <a:p>
             <a:pPr algn="ctr" eaLnBrk="1" hangingPunct="1"/>
             <a:r>
-              <a:rPr lang="en-US" altLang="zh-TW" dirty="0" smtClean="0">
+              <a:rPr lang="en-US" altLang="zh-TW" dirty="0">
                 <a:ea typeface="新細明體" charset="-120"/>
               </a:rPr>
               <a:t>Why does it work?</a:t>
@@ -9412,7 +9801,7 @@
           <a:p>
             <a:pPr marL="292100" indent="-292100"/>
             <a:r>
-              <a:rPr lang="en-US" altLang="zh-TW" dirty="0" smtClean="0">
+              <a:rPr lang="en-US" altLang="zh-TW" dirty="0">
                 <a:ea typeface="新細明體" charset="-120"/>
               </a:rPr>
               <a:t>Suppose there are 25 base classifiers</a:t>
@@ -9421,20 +9810,20 @@
           <a:p>
             <a:pPr marL="800100" lvl="1" indent="-342900"/>
             <a:r>
-              <a:rPr lang="en-US" altLang="zh-TW" dirty="0" smtClean="0">
+              <a:rPr lang="en-US" altLang="zh-TW" dirty="0">
                 <a:ea typeface="新細明體" charset="-120"/>
               </a:rPr>
               <a:t>Each classifier has error rate, </a:t>
             </a:r>
             <a:r>
-              <a:rPr lang="en-US" altLang="zh-TW" dirty="0" smtClean="0">
+              <a:rPr lang="en-US" altLang="zh-TW" dirty="0">
                 <a:ea typeface="新細明體" charset="-120"/>
                 <a:sym typeface="Symbol" pitchFamily="18" charset="2"/>
               </a:rPr>
               <a:t></a:t>
             </a:r>
             <a:r>
-              <a:rPr lang="en-US" altLang="zh-TW" dirty="0" smtClean="0">
+              <a:rPr lang="en-US" altLang="zh-TW" dirty="0">
                 <a:ea typeface="新細明體" charset="-120"/>
               </a:rPr>
               <a:t> = 0.35</a:t>
@@ -9443,7 +9832,7 @@
           <a:p>
             <a:pPr marL="800100" lvl="1" indent="-342900"/>
             <a:r>
-              <a:rPr lang="en-US" altLang="zh-TW" dirty="0" smtClean="0">
+              <a:rPr lang="en-US" altLang="zh-TW" dirty="0">
                 <a:ea typeface="新細明體" charset="-120"/>
               </a:rPr>
               <a:t>Assume classifiers are independent</a:t>
@@ -9452,7 +9841,7 @@
           <a:p>
             <a:pPr marL="800100" lvl="1" indent="-342900"/>
             <a:r>
-              <a:rPr lang="en-US" altLang="zh-TW" dirty="0" smtClean="0">
+              <a:rPr lang="en-US" altLang="zh-TW" dirty="0">
                 <a:ea typeface="新細明體" charset="-120"/>
               </a:rPr>
               <a:t>Probability that the ensemble classifier makes a wrong prediction:</a:t>
@@ -9478,12 +9867,12 @@
           <a:graphicData uri="http://schemas.openxmlformats.org/presentationml/2006/ole">
             <mc:AlternateContent xmlns:mc="http://schemas.openxmlformats.org/markup-compatibility/2006">
               <mc:Choice xmlns:v="urn:schemas-microsoft-com:vml" Requires="v">
-                <p:oleObj spid="_x0000_s2072" name="Equation" r:id="rId3" imgW="1625400" imgH="457200" progId="Equation.3">
+                <p:oleObj name="Equation" r:id="rId2" imgW="1625400" imgH="457200" progId="Equation.3">
                   <p:embed/>
                 </p:oleObj>
               </mc:Choice>
               <mc:Fallback>
-                <p:oleObj name="Equation" r:id="rId3" imgW="1625400" imgH="457200" progId="Equation.3">
+                <p:oleObj name="Equation" r:id="rId2" imgW="1625400" imgH="457200" progId="Equation.3">
                   <p:embed/>
                   <p:pic>
                     <p:nvPicPr>
@@ -9494,7 +9883,7 @@
                       <p:nvPr/>
                     </p:nvPicPr>
                     <p:blipFill>
-                      <a:blip r:embed="rId4">
+                      <a:blip r:embed="rId3">
                         <a:extLst>
                           <a:ext uri="{28A0092B-C50C-407E-A947-70E740481C1C}">
                             <a14:useLocalDpi xmlns:a14="http://schemas.microsoft.com/office/drawing/2010/main" val="0"/>
@@ -9554,13 +9943,6 @@
       </p:transition>
     </mc:Fallback>
   </mc:AlternateContent>
-  <p:timing>
-    <p:tnLst>
-      <p:par>
-        <p:cTn id="1" dur="indefinite" restart="never" nodeType="tmRoot"/>
-      </p:par>
-    </p:tnLst>
-  </p:timing>
 </p:sld>
 </file>
 
@@ -9603,9 +9985,9 @@
                 <a:ea typeface="新細明體" charset="-120"/>
               </a:rPr>
               <a:pPr/>
-              <a:t>112年12月4日星期一</a:t>
+              <a:t>112年12月5日星期二</a:t>
             </a:fld>
-            <a:endParaRPr lang="en-US" altLang="zh-TW" smtClean="0">
+            <a:endParaRPr lang="en-US" altLang="zh-TW">
               <a:ea typeface="新細明體" charset="-120"/>
             </a:endParaRPr>
           </a:p>
@@ -9629,12 +10011,12 @@
           <a:lstStyle/>
           <a:p>
             <a:r>
-              <a:rPr lang="zh-TW" altLang="en-US" smtClean="0">
+              <a:rPr lang="zh-TW" altLang="en-US">
                 <a:ea typeface="新細明體" charset="-120"/>
               </a:rPr>
               <a:t>Data Mining: Concepts and Techniques</a:t>
             </a:r>
-            <a:endParaRPr lang="en-US" altLang="zh-TW" smtClean="0">
+            <a:endParaRPr lang="en-US" altLang="zh-TW">
               <a:ea typeface="新細明體" charset="-120"/>
             </a:endParaRPr>
           </a:p>
@@ -9664,7 +10046,7 @@
               <a:pPr/>
               <a:t>5</a:t>
             </a:fld>
-            <a:endParaRPr lang="en-US" altLang="zh-TW" smtClean="0">
+            <a:endParaRPr lang="en-US" altLang="zh-TW">
               <a:ea typeface="新細明體" charset="-120"/>
             </a:endParaRPr>
           </a:p>
@@ -9694,19 +10076,19 @@
           <a:p>
             <a:pPr eaLnBrk="1" hangingPunct="1"/>
             <a:r>
-              <a:rPr lang="en-US" altLang="zh-TW" dirty="0" smtClean="0">
+              <a:rPr lang="en-US" altLang="zh-TW" dirty="0">
                 <a:ea typeface="新細明體" charset="-120"/>
               </a:rPr>
               <a:t>Bagging: </a:t>
             </a:r>
             <a:r>
-              <a:rPr lang="en-US" altLang="zh-TW" dirty="0" err="1" smtClean="0">
+              <a:rPr lang="en-US" altLang="zh-TW" dirty="0" err="1">
                 <a:ea typeface="新細明體" charset="-120"/>
               </a:rPr>
               <a:t>Boostrap</a:t>
             </a:r>
             <a:r>
-              <a:rPr lang="en-US" altLang="zh-TW" dirty="0" smtClean="0">
+              <a:rPr lang="en-US" altLang="zh-TW" dirty="0">
                 <a:ea typeface="新細明體" charset="-120"/>
               </a:rPr>
               <a:t> Aggregation</a:t>
@@ -9946,19 +10328,7 @@
               <a:rPr lang="en-US" altLang="zh-TW" sz="2000" dirty="0">
                 <a:ea typeface="新細明體" charset="-120"/>
               </a:rPr>
-              <a:t>Often </a:t>
-            </a:r>
-            <a:r>
-              <a:rPr lang="en-US" altLang="zh-TW" sz="2000" dirty="0" smtClean="0">
-                <a:ea typeface="新細明體" charset="-120"/>
-              </a:rPr>
-              <a:t>significantly </a:t>
-            </a:r>
-            <a:r>
-              <a:rPr lang="en-US" altLang="zh-TW" sz="2000" dirty="0">
-                <a:ea typeface="新細明體" charset="-120"/>
-              </a:rPr>
-              <a:t>better than a single classifier derived from D</a:t>
+              <a:t>Often significantly better than a single classifier derived from D</a:t>
             </a:r>
           </a:p>
           <a:p>
@@ -10003,13 +10373,6 @@
       </p:transition>
     </mc:Fallback>
   </mc:AlternateContent>
-  <p:timing>
-    <p:tnLst>
-      <p:par>
-        <p:cTn id="1" dur="indefinite" restart="never" nodeType="tmRoot"/>
-      </p:par>
-    </p:tnLst>
-  </p:timing>
 </p:sld>
 </file>
 
@@ -10052,9 +10415,9 @@
                 <a:ea typeface="新細明體" charset="-120"/>
               </a:rPr>
               <a:pPr/>
-              <a:t>112年12月4日星期一</a:t>
+              <a:t>112年12月5日星期二</a:t>
             </a:fld>
-            <a:endParaRPr lang="en-US" altLang="zh-TW" smtClean="0">
+            <a:endParaRPr lang="en-US" altLang="zh-TW">
               <a:ea typeface="新細明體" charset="-120"/>
             </a:endParaRPr>
           </a:p>
@@ -10078,12 +10441,12 @@
           <a:lstStyle/>
           <a:p>
             <a:r>
-              <a:rPr lang="zh-TW" altLang="en-US" smtClean="0">
+              <a:rPr lang="zh-TW" altLang="en-US">
                 <a:ea typeface="新細明體" charset="-120"/>
               </a:rPr>
               <a:t>Data Mining: Concepts and Techniques</a:t>
             </a:r>
-            <a:endParaRPr lang="en-US" altLang="zh-TW" smtClean="0">
+            <a:endParaRPr lang="en-US" altLang="zh-TW">
               <a:ea typeface="新細明體" charset="-120"/>
             </a:endParaRPr>
           </a:p>
@@ -10113,7 +10476,7 @@
               <a:pPr/>
               <a:t>6</a:t>
             </a:fld>
-            <a:endParaRPr lang="en-US" altLang="zh-TW" smtClean="0">
+            <a:endParaRPr lang="en-US" altLang="zh-TW">
               <a:ea typeface="新細明體" charset="-120"/>
             </a:endParaRPr>
           </a:p>
@@ -10143,7 +10506,7 @@
           <a:p>
             <a:pPr algn="ctr" eaLnBrk="1" hangingPunct="1"/>
             <a:r>
-              <a:rPr lang="en-US" altLang="zh-TW" dirty="0" smtClean="0">
+              <a:rPr lang="en-US" altLang="zh-TW" dirty="0">
                 <a:ea typeface="新細明體" charset="-120"/>
               </a:rPr>
               <a:t>Boosting</a:t>
@@ -10198,17 +10561,8 @@
               <a:rPr lang="en-US" altLang="zh-TW" sz="2000" dirty="0">
                 <a:ea typeface="新細明體" charset="-120"/>
               </a:rPr>
-              <a:t>How </a:t>
-            </a:r>
-            <a:r>
-              <a:rPr lang="en-US" altLang="zh-TW" sz="2000" dirty="0" smtClean="0">
-                <a:ea typeface="新細明體" charset="-120"/>
-              </a:rPr>
-              <a:t>does boosting work?</a:t>
-            </a:r>
-            <a:endParaRPr lang="en-US" altLang="zh-TW" sz="2000" dirty="0">
-              <a:ea typeface="新細明體" charset="-120"/>
-            </a:endParaRPr>
+              <a:t>How does boosting work?</a:t>
+            </a:r>
           </a:p>
           <a:p>
             <a:pPr marL="914400" lvl="1" indent="-457200">
@@ -10264,7 +10618,22 @@
               <a:rPr lang="en-US" altLang="zh-TW" sz="2000" dirty="0">
                 <a:ea typeface="新細明體" charset="-120"/>
               </a:rPr>
-              <a:t> is learned, the weights are updated to allow the subsequent classifier, M</a:t>
+              <a:t> is learned, the </a:t>
+            </a:r>
+            <a:r>
+              <a:rPr lang="en-US" altLang="zh-TW" sz="2000" dirty="0">
+                <a:solidFill>
+                  <a:srgbClr val="FF0000"/>
+                </a:solidFill>
+                <a:ea typeface="新細明體" charset="-120"/>
+              </a:rPr>
+              <a:t>weights</a:t>
+            </a:r>
+            <a:r>
+              <a:rPr lang="en-US" altLang="zh-TW" sz="2000" dirty="0">
+                <a:ea typeface="新細明體" charset="-120"/>
+              </a:rPr>
+              <a:t> are updated to allow the subsequent classifier, M</a:t>
             </a:r>
             <a:r>
               <a:rPr lang="en-US" altLang="zh-TW" sz="2000" baseline="-25000" dirty="0">
@@ -10279,26 +10648,23 @@
               <a:t>, to pay more attention to the training tuples that </a:t>
             </a:r>
             <a:r>
-              <a:rPr lang="en-US" altLang="zh-TW" sz="2000" dirty="0" err="1" smtClean="0">
+              <a:rPr lang="en-US" altLang="zh-TW" sz="2000" dirty="0" err="1">
                 <a:ea typeface="新細明體" charset="-120"/>
               </a:rPr>
               <a:t>M</a:t>
             </a:r>
             <a:r>
-              <a:rPr lang="en-US" altLang="zh-TW" sz="2000" baseline="-25000" dirty="0" err="1" smtClean="0">
+              <a:rPr lang="en-US" altLang="zh-TW" sz="2000" baseline="-25000" dirty="0" err="1">
                 <a:ea typeface="新細明體" charset="-120"/>
               </a:rPr>
               <a:t>i</a:t>
             </a:r>
             <a:r>
-              <a:rPr lang="en-US" altLang="zh-TW" sz="2000" dirty="0" smtClean="0">
+              <a:rPr lang="en-US" altLang="zh-TW" sz="2000" dirty="0">
                 <a:ea typeface="新細明體" charset="-120"/>
               </a:rPr>
               <a:t> misclassified</a:t>
             </a:r>
-            <a:endParaRPr lang="en-US" altLang="zh-TW" sz="2000" dirty="0">
-              <a:ea typeface="新細明體" charset="-120"/>
-            </a:endParaRPr>
           </a:p>
           <a:p>
             <a:pPr marL="914400" lvl="1" indent="-457200">
@@ -10333,28 +10699,10 @@
               </a:lnSpc>
             </a:pPr>
             <a:r>
-              <a:rPr lang="en-US" altLang="zh-TW" sz="2000" dirty="0" smtClean="0">
-                <a:ea typeface="新細明體" charset="-120"/>
-              </a:rPr>
-              <a:t>Compared </a:t>
-            </a:r>
-            <a:r>
               <a:rPr lang="en-US" altLang="zh-TW" sz="2000" dirty="0">
                 <a:ea typeface="新細明體" charset="-120"/>
               </a:rPr>
-              <a:t>with </a:t>
-            </a:r>
-            <a:r>
-              <a:rPr lang="en-US" altLang="zh-TW" sz="2000" dirty="0" smtClean="0">
-                <a:ea typeface="新細明體" charset="-120"/>
-              </a:rPr>
-              <a:t>bagging, </a:t>
-            </a:r>
-            <a:r>
-              <a:rPr lang="en-US" altLang="zh-TW" sz="2000" dirty="0">
-                <a:ea typeface="新細明體" charset="-120"/>
-              </a:rPr>
-              <a:t>boosting tends to achieve greater accuracy, but it also risks overfitting the model to misclassified data</a:t>
+              <a:t>Compared with bagging, boosting tends to achieve greater accuracy, but it also risks overfitting the model to misclassified data</a:t>
             </a:r>
           </a:p>
         </p:txBody>
@@ -10381,13 +10729,6 @@
       </p:transition>
     </mc:Fallback>
   </mc:AlternateContent>
-  <p:timing>
-    <p:tnLst>
-      <p:par>
-        <p:cTn id="1" dur="indefinite" restart="never" nodeType="tmRoot"/>
-      </p:par>
-    </p:tnLst>
-  </p:timing>
 </p:sld>
 </file>
 
@@ -10430,9 +10771,9 @@
                 <a:ea typeface="新細明體" charset="-120"/>
               </a:rPr>
               <a:pPr/>
-              <a:t>112年12月4日星期一</a:t>
+              <a:t>112年12月5日星期二</a:t>
             </a:fld>
-            <a:endParaRPr lang="en-US" altLang="zh-TW" smtClean="0">
+            <a:endParaRPr lang="en-US" altLang="zh-TW">
               <a:ea typeface="新細明體" charset="-120"/>
             </a:endParaRPr>
           </a:p>
@@ -10456,12 +10797,12 @@
           <a:lstStyle/>
           <a:p>
             <a:r>
-              <a:rPr lang="zh-TW" altLang="en-US" smtClean="0">
+              <a:rPr lang="zh-TW" altLang="en-US">
                 <a:ea typeface="新細明體" charset="-120"/>
               </a:rPr>
               <a:t>Data Mining: Concepts and Techniques</a:t>
             </a:r>
-            <a:endParaRPr lang="en-US" altLang="zh-TW" smtClean="0">
+            <a:endParaRPr lang="en-US" altLang="zh-TW">
               <a:ea typeface="新細明體" charset="-120"/>
             </a:endParaRPr>
           </a:p>
@@ -10491,7 +10832,7 @@
               <a:pPr/>
               <a:t>7</a:t>
             </a:fld>
-            <a:endParaRPr lang="en-US" altLang="zh-TW" smtClean="0">
+            <a:endParaRPr lang="en-US" altLang="zh-TW">
               <a:ea typeface="新細明體" charset="-120"/>
             </a:endParaRPr>
           </a:p>
@@ -10521,25 +10862,25 @@
           <a:p>
             <a:pPr eaLnBrk="1" hangingPunct="1"/>
             <a:r>
-              <a:rPr lang="en-US" altLang="zh-TW" dirty="0" err="1" smtClean="0">
+              <a:rPr lang="en-US" altLang="zh-TW" dirty="0" err="1">
                 <a:ea typeface="新細明體" charset="-120"/>
               </a:rPr>
               <a:t>Adaboost</a:t>
             </a:r>
             <a:r>
-              <a:rPr lang="en-US" altLang="zh-TW" dirty="0" smtClean="0">
+              <a:rPr lang="en-US" altLang="zh-TW" dirty="0">
                 <a:ea typeface="新細明體" charset="-120"/>
               </a:rPr>
               <a:t> (Freund and </a:t>
             </a:r>
             <a:r>
-              <a:rPr lang="en-US" altLang="zh-TW" dirty="0" err="1" smtClean="0">
+              <a:rPr lang="en-US" altLang="zh-TW" dirty="0" err="1">
                 <a:ea typeface="新細明體" charset="-120"/>
               </a:rPr>
               <a:t>Schapire</a:t>
             </a:r>
             <a:r>
-              <a:rPr lang="en-US" altLang="zh-TW" dirty="0" smtClean="0">
+              <a:rPr lang="en-US" altLang="zh-TW" dirty="0">
                 <a:ea typeface="新細明體" charset="-120"/>
               </a:rPr>
               <a:t>, 1997)</a:t>
@@ -10928,12 +11269,12 @@
           <a:graphicData uri="http://schemas.openxmlformats.org/presentationml/2006/ole">
             <mc:AlternateContent xmlns:mc="http://schemas.openxmlformats.org/markup-compatibility/2006">
               <mc:Choice xmlns:v="urn:schemas-microsoft-com:vml" Requires="v">
-                <p:oleObj spid="_x0000_s3106" name="Equation" r:id="rId3" imgW="1091880" imgH="431640" progId="Equation.3">
+                <p:oleObj name="Equation" r:id="rId2" imgW="1091880" imgH="431640" progId="Equation.3">
                   <p:embed/>
                 </p:oleObj>
               </mc:Choice>
               <mc:Fallback>
-                <p:oleObj name="Equation" r:id="rId3" imgW="1091880" imgH="431640" progId="Equation.3">
+                <p:oleObj name="Equation" r:id="rId2" imgW="1091880" imgH="431640" progId="Equation.3">
                   <p:embed/>
                   <p:pic>
                     <p:nvPicPr>
@@ -10944,7 +11285,7 @@
                       <p:nvPr/>
                     </p:nvPicPr>
                     <p:blipFill>
-                      <a:blip r:embed="rId4">
+                      <a:blip r:embed="rId3">
                         <a:extLst>
                           <a:ext uri="{28A0092B-C50C-407E-A947-70E740481C1C}">
                             <a14:useLocalDpi xmlns:a14="http://schemas.microsoft.com/office/drawing/2010/main" val="0"/>
@@ -11000,12 +11341,12 @@
           <a:graphicData uri="http://schemas.openxmlformats.org/presentationml/2006/ole">
             <mc:AlternateContent xmlns:mc="http://schemas.openxmlformats.org/markup-compatibility/2006">
               <mc:Choice xmlns:v="urn:schemas-microsoft-com:vml" Requires="v">
-                <p:oleObj spid="_x0000_s3107" name="Equation" r:id="rId5" imgW="1752480" imgH="444240" progId="Equation.3">
+                <p:oleObj name="Equation" r:id="rId4" imgW="1752480" imgH="444240" progId="Equation.3">
                   <p:embed/>
                 </p:oleObj>
               </mc:Choice>
               <mc:Fallback>
-                <p:oleObj name="Equation" r:id="rId5" imgW="1752480" imgH="444240" progId="Equation.3">
+                <p:oleObj name="Equation" r:id="rId4" imgW="1752480" imgH="444240" progId="Equation.3">
                   <p:embed/>
                   <p:pic>
                     <p:nvPicPr>
@@ -11016,7 +11357,7 @@
                       <p:nvPr/>
                     </p:nvPicPr>
                     <p:blipFill>
-                      <a:blip r:embed="rId6">
+                      <a:blip r:embed="rId5">
                         <a:extLst>
                           <a:ext uri="{28A0092B-C50C-407E-A947-70E740481C1C}">
                             <a14:useLocalDpi xmlns:a14="http://schemas.microsoft.com/office/drawing/2010/main" val="0"/>
@@ -11067,13 +11408,6 @@
   <p:transition>
     <p:zoom/>
   </p:transition>
-  <p:timing>
-    <p:tnLst>
-      <p:par>
-        <p:cTn id="1" dur="indefinite" restart="never" nodeType="tmRoot"/>
-      </p:par>
-    </p:tnLst>
-  </p:timing>
 </p:sld>
 </file>
 
@@ -11116,9 +11450,9 @@
                 <a:ea typeface="新細明體" charset="-120"/>
               </a:rPr>
               <a:pPr/>
-              <a:t>112年12月4日星期一</a:t>
+              <a:t>112年12月5日星期二</a:t>
             </a:fld>
-            <a:endParaRPr lang="en-US" altLang="zh-TW" smtClean="0">
+            <a:endParaRPr lang="en-US" altLang="zh-TW">
               <a:ea typeface="新細明體" charset="-120"/>
             </a:endParaRPr>
           </a:p>
@@ -11142,12 +11476,12 @@
           <a:lstStyle/>
           <a:p>
             <a:r>
-              <a:rPr lang="zh-TW" altLang="en-US" smtClean="0">
+              <a:rPr lang="zh-TW" altLang="en-US">
                 <a:ea typeface="新細明體" charset="-120"/>
               </a:rPr>
               <a:t>Data Mining: Concepts and Techniques</a:t>
             </a:r>
-            <a:endParaRPr lang="en-US" altLang="zh-TW" smtClean="0">
+            <a:endParaRPr lang="en-US" altLang="zh-TW">
               <a:ea typeface="新細明體" charset="-120"/>
             </a:endParaRPr>
           </a:p>
@@ -11177,7 +11511,7 @@
               <a:pPr/>
               <a:t>8</a:t>
             </a:fld>
-            <a:endParaRPr lang="en-US" altLang="zh-TW" smtClean="0">
+            <a:endParaRPr lang="en-US" altLang="zh-TW">
               <a:ea typeface="新細明體" charset="-120"/>
             </a:endParaRPr>
           </a:p>
@@ -11225,7 +11559,7 @@
           <a:p>
             <a:pPr eaLnBrk="1" hangingPunct="1"/>
             <a:r>
-              <a:rPr lang="en-US" altLang="zh-TW" smtClean="0">
+              <a:rPr lang="en-US" altLang="zh-TW">
                 <a:ea typeface="新細明體" charset="-120"/>
               </a:rPr>
               <a:t>Input:</a:t>
@@ -11234,7 +11568,7 @@
           <a:p>
             <a:pPr eaLnBrk="1" hangingPunct="1"/>
             <a:r>
-              <a:rPr lang="en-US" altLang="zh-TW" smtClean="0">
+              <a:rPr lang="en-US" altLang="zh-TW">
                 <a:ea typeface="新細明體" charset="-120"/>
               </a:rPr>
               <a:t>D, a set of d class-labeled training tuples;</a:t>
@@ -11243,7 +11577,7 @@
           <a:p>
             <a:pPr eaLnBrk="1" hangingPunct="1"/>
             <a:r>
-              <a:rPr lang="en-US" altLang="zh-TW" smtClean="0">
+              <a:rPr lang="en-US" altLang="zh-TW">
                 <a:ea typeface="新細明體" charset="-120"/>
               </a:rPr>
               <a:t>K, the number of rounds (one classifier is generated per round);</a:t>
@@ -11252,7 +11586,7 @@
           <a:p>
             <a:pPr eaLnBrk="1" hangingPunct="1"/>
             <a:r>
-              <a:rPr lang="en-US" altLang="zh-TW" smtClean="0">
+              <a:rPr lang="en-US" altLang="zh-TW">
                 <a:ea typeface="新細明體" charset="-120"/>
               </a:rPr>
               <a:t>A classification learning scheme.</a:t>
@@ -11282,13 +11616,6 @@
       </p:transition>
     </mc:Fallback>
   </mc:AlternateContent>
-  <p:timing>
-    <p:tnLst>
-      <p:par>
-        <p:cTn id="1" dur="indefinite" restart="never" nodeType="tmRoot"/>
-      </p:par>
-    </p:tnLst>
-  </p:timing>
 </p:sld>
 </file>
 
@@ -11331,9 +11658,9 @@
                 <a:ea typeface="新細明體" charset="-120"/>
               </a:rPr>
               <a:pPr/>
-              <a:t>112年12月4日星期一</a:t>
+              <a:t>112年12月5日星期二</a:t>
             </a:fld>
-            <a:endParaRPr lang="en-US" altLang="zh-TW" smtClean="0">
+            <a:endParaRPr lang="en-US" altLang="zh-TW">
               <a:ea typeface="新細明體" charset="-120"/>
             </a:endParaRPr>
           </a:p>
@@ -11357,12 +11684,12 @@
           <a:lstStyle/>
           <a:p>
             <a:r>
-              <a:rPr lang="zh-TW" altLang="en-US" smtClean="0">
+              <a:rPr lang="zh-TW" altLang="en-US">
                 <a:ea typeface="新細明體" charset="-120"/>
               </a:rPr>
               <a:t>Data Mining: Concepts and Techniques</a:t>
             </a:r>
-            <a:endParaRPr lang="en-US" altLang="zh-TW" smtClean="0">
+            <a:endParaRPr lang="en-US" altLang="zh-TW">
               <a:ea typeface="新細明體" charset="-120"/>
             </a:endParaRPr>
           </a:p>
@@ -11392,7 +11719,7 @@
               <a:pPr/>
               <a:t>9</a:t>
             </a:fld>
-            <a:endParaRPr lang="en-US" altLang="zh-TW" smtClean="0">
+            <a:endParaRPr lang="en-US" altLang="zh-TW">
               <a:ea typeface="新細明體" charset="-120"/>
             </a:endParaRPr>
           </a:p>
@@ -11796,13 +12123,6 @@
       </p:transition>
     </mc:Fallback>
   </mc:AlternateContent>
-  <p:timing>
-    <p:tnLst>
-      <p:par>
-        <p:cTn id="1" dur="indefinite" restart="never" nodeType="tmRoot"/>
-      </p:par>
-    </p:tnLst>
-  </p:timing>
 </p:sld>
 </file>
 
@@ -12065,4 +12385,299 @@
     </a:ext>
   </a:extLst>
 </a:theme>
+</file>
+
+<file path=ppt/theme/theme2.xml><?xml version="1.0" encoding="utf-8"?>
+<a:theme xmlns:a="http://schemas.openxmlformats.org/drawingml/2006/main" name="Office 佈景主題">
+  <a:themeElements>
+    <a:clrScheme name="Office">
+      <a:dk1>
+        <a:sysClr val="windowText" lastClr="000000"/>
+      </a:dk1>
+      <a:lt1>
+        <a:sysClr val="window" lastClr="FFFFFF"/>
+      </a:lt1>
+      <a:dk2>
+        <a:srgbClr val="44546A"/>
+      </a:dk2>
+      <a:lt2>
+        <a:srgbClr val="E7E6E6"/>
+      </a:lt2>
+      <a:accent1>
+        <a:srgbClr val="4472C4"/>
+      </a:accent1>
+      <a:accent2>
+        <a:srgbClr val="ED7D31"/>
+      </a:accent2>
+      <a:accent3>
+        <a:srgbClr val="A5A5A5"/>
+      </a:accent3>
+      <a:accent4>
+        <a:srgbClr val="FFC000"/>
+      </a:accent4>
+      <a:accent5>
+        <a:srgbClr val="5B9BD5"/>
+      </a:accent5>
+      <a:accent6>
+        <a:srgbClr val="70AD47"/>
+      </a:accent6>
+      <a:hlink>
+        <a:srgbClr val="0563C1"/>
+      </a:hlink>
+      <a:folHlink>
+        <a:srgbClr val="954F72"/>
+      </a:folHlink>
+    </a:clrScheme>
+    <a:fontScheme name="Office">
+      <a:majorFont>
+        <a:latin typeface="Calibri Light" panose="020F0302020204030204"/>
+        <a:ea typeface=""/>
+        <a:cs typeface=""/>
+        <a:font script="Jpan" typeface="游ゴシック Light"/>
+        <a:font script="Hang" typeface="맑은 고딕"/>
+        <a:font script="Hans" typeface="等线 Light"/>
+        <a:font script="Hant" typeface="新細明體"/>
+        <a:font script="Arab" typeface="Times New Roman"/>
+        <a:font script="Hebr" typeface="Times New Roman"/>
+        <a:font script="Thai" typeface="Angsana New"/>
+        <a:font script="Ethi" typeface="Nyala"/>
+        <a:font script="Beng" typeface="Vrinda"/>
+        <a:font script="Gujr" typeface="Shruti"/>
+        <a:font script="Khmr" typeface="MoolBoran"/>
+        <a:font script="Knda" typeface="Tunga"/>
+        <a:font script="Guru" typeface="Raavi"/>
+        <a:font script="Cans" typeface="Euphemia"/>
+        <a:font script="Cher" typeface="Plantagenet Cherokee"/>
+        <a:font script="Yiii" typeface="Microsoft Yi Baiti"/>
+        <a:font script="Tibt" typeface="Microsoft Himalaya"/>
+        <a:font script="Thaa" typeface="MV Boli"/>
+        <a:font script="Deva" typeface="Mangal"/>
+        <a:font script="Telu" typeface="Gautami"/>
+        <a:font script="Taml" typeface="Latha"/>
+        <a:font script="Syrc" typeface="Estrangelo Edessa"/>
+        <a:font script="Orya" typeface="Kalinga"/>
+        <a:font script="Mlym" typeface="Kartika"/>
+        <a:font script="Laoo" typeface="DokChampa"/>
+        <a:font script="Sinh" typeface="Iskoola Pota"/>
+        <a:font script="Mong" typeface="Mongolian Baiti"/>
+        <a:font script="Viet" typeface="Times New Roman"/>
+        <a:font script="Uigh" typeface="Microsoft Uighur"/>
+        <a:font script="Geor" typeface="Sylfaen"/>
+        <a:font script="Armn" typeface="Arial"/>
+        <a:font script="Bugi" typeface="Leelawadee UI"/>
+        <a:font script="Bopo" typeface="Microsoft JhengHei"/>
+        <a:font script="Java" typeface="Javanese Text"/>
+        <a:font script="Lisu" typeface="Segoe UI"/>
+        <a:font script="Mymr" typeface="Myanmar Text"/>
+        <a:font script="Nkoo" typeface="Ebrima"/>
+        <a:font script="Olck" typeface="Nirmala UI"/>
+        <a:font script="Osma" typeface="Ebrima"/>
+        <a:font script="Phag" typeface="Phagspa"/>
+        <a:font script="Syrn" typeface="Estrangelo Edessa"/>
+        <a:font script="Syrj" typeface="Estrangelo Edessa"/>
+        <a:font script="Syre" typeface="Estrangelo Edessa"/>
+        <a:font script="Sora" typeface="Nirmala UI"/>
+        <a:font script="Tale" typeface="Microsoft Tai Le"/>
+        <a:font script="Talu" typeface="Microsoft New Tai Lue"/>
+        <a:font script="Tfng" typeface="Ebrima"/>
+      </a:majorFont>
+      <a:minorFont>
+        <a:latin typeface="Calibri" panose="020F0502020204030204"/>
+        <a:ea typeface=""/>
+        <a:cs typeface=""/>
+        <a:font script="Jpan" typeface="游ゴシック"/>
+        <a:font script="Hang" typeface="맑은 고딕"/>
+        <a:font script="Hans" typeface="等线"/>
+        <a:font script="Hant" typeface="新細明體"/>
+        <a:font script="Arab" typeface="Arial"/>
+        <a:font script="Hebr" typeface="Arial"/>
+        <a:font script="Thai" typeface="Cordia New"/>
+        <a:font script="Ethi" typeface="Nyala"/>
+        <a:font script="Beng" typeface="Vrinda"/>
+        <a:font script="Gujr" typeface="Shruti"/>
+        <a:font script="Khmr" typeface="DaunPenh"/>
+        <a:font script="Knda" typeface="Tunga"/>
+        <a:font script="Guru" typeface="Raavi"/>
+        <a:font script="Cans" typeface="Euphemia"/>
+        <a:font script="Cher" typeface="Plantagenet Cherokee"/>
+        <a:font script="Yiii" typeface="Microsoft Yi Baiti"/>
+        <a:font script="Tibt" typeface="Microsoft Himalaya"/>
+        <a:font script="Thaa" typeface="MV Boli"/>
+        <a:font script="Deva" typeface="Mangal"/>
+        <a:font script="Telu" typeface="Gautami"/>
+        <a:font script="Taml" typeface="Latha"/>
+        <a:font script="Syrc" typeface="Estrangelo Edessa"/>
+        <a:font script="Orya" typeface="Kalinga"/>
+        <a:font script="Mlym" typeface="Kartika"/>
+        <a:font script="Laoo" typeface="DokChampa"/>
+        <a:font script="Sinh" typeface="Iskoola Pota"/>
+        <a:font script="Mong" typeface="Mongolian Baiti"/>
+        <a:font script="Viet" typeface="Arial"/>
+        <a:font script="Uigh" typeface="Microsoft Uighur"/>
+        <a:font script="Geor" typeface="Sylfaen"/>
+        <a:font script="Armn" typeface="Arial"/>
+        <a:font script="Bugi" typeface="Leelawadee UI"/>
+        <a:font script="Bopo" typeface="Microsoft JhengHei"/>
+        <a:font script="Java" typeface="Javanese Text"/>
+        <a:font script="Lisu" typeface="Segoe UI"/>
+        <a:font script="Mymr" typeface="Myanmar Text"/>
+        <a:font script="Nkoo" typeface="Ebrima"/>
+        <a:font script="Olck" typeface="Nirmala UI"/>
+        <a:font script="Osma" typeface="Ebrima"/>
+        <a:font script="Phag" typeface="Phagspa"/>
+        <a:font script="Syrn" typeface="Estrangelo Edessa"/>
+        <a:font script="Syrj" typeface="Estrangelo Edessa"/>
+        <a:font script="Syre" typeface="Estrangelo Edessa"/>
+        <a:font script="Sora" typeface="Nirmala UI"/>
+        <a:font script="Tale" typeface="Microsoft Tai Le"/>
+        <a:font script="Talu" typeface="Microsoft New Tai Lue"/>
+        <a:font script="Tfng" typeface="Ebrima"/>
+      </a:minorFont>
+    </a:fontScheme>
+    <a:fmtScheme name="Office">
+      <a:fillStyleLst>
+        <a:solidFill>
+          <a:schemeClr val="phClr"/>
+        </a:solidFill>
+        <a:gradFill rotWithShape="1">
+          <a:gsLst>
+            <a:gs pos="0">
+              <a:schemeClr val="phClr">
+                <a:lumMod val="110000"/>
+                <a:satMod val="105000"/>
+                <a:tint val="67000"/>
+              </a:schemeClr>
+            </a:gs>
+            <a:gs pos="50000">
+              <a:schemeClr val="phClr">
+                <a:lumMod val="105000"/>
+                <a:satMod val="103000"/>
+                <a:tint val="73000"/>
+              </a:schemeClr>
+            </a:gs>
+            <a:gs pos="100000">
+              <a:schemeClr val="phClr">
+                <a:lumMod val="105000"/>
+                <a:satMod val="109000"/>
+                <a:tint val="81000"/>
+              </a:schemeClr>
+            </a:gs>
+          </a:gsLst>
+          <a:lin ang="5400000" scaled="0"/>
+        </a:gradFill>
+        <a:gradFill rotWithShape="1">
+          <a:gsLst>
+            <a:gs pos="0">
+              <a:schemeClr val="phClr">
+                <a:satMod val="103000"/>
+                <a:lumMod val="102000"/>
+                <a:tint val="94000"/>
+              </a:schemeClr>
+            </a:gs>
+            <a:gs pos="50000">
+              <a:schemeClr val="phClr">
+                <a:satMod val="110000"/>
+                <a:lumMod val="100000"/>
+                <a:shade val="100000"/>
+              </a:schemeClr>
+            </a:gs>
+            <a:gs pos="100000">
+              <a:schemeClr val="phClr">
+                <a:lumMod val="99000"/>
+                <a:satMod val="120000"/>
+                <a:shade val="78000"/>
+              </a:schemeClr>
+            </a:gs>
+          </a:gsLst>
+          <a:lin ang="5400000" scaled="0"/>
+        </a:gradFill>
+      </a:fillStyleLst>
+      <a:lnStyleLst>
+        <a:ln w="6350" cap="flat" cmpd="sng" algn="ctr">
+          <a:solidFill>
+            <a:schemeClr val="phClr"/>
+          </a:solidFill>
+          <a:prstDash val="solid"/>
+          <a:miter lim="800000"/>
+        </a:ln>
+        <a:ln w="12700" cap="flat" cmpd="sng" algn="ctr">
+          <a:solidFill>
+            <a:schemeClr val="phClr"/>
+          </a:solidFill>
+          <a:prstDash val="solid"/>
+          <a:miter lim="800000"/>
+        </a:ln>
+        <a:ln w="19050" cap="flat" cmpd="sng" algn="ctr">
+          <a:solidFill>
+            <a:schemeClr val="phClr"/>
+          </a:solidFill>
+          <a:prstDash val="solid"/>
+          <a:miter lim="800000"/>
+        </a:ln>
+      </a:lnStyleLst>
+      <a:effectStyleLst>
+        <a:effectStyle>
+          <a:effectLst/>
+        </a:effectStyle>
+        <a:effectStyle>
+          <a:effectLst/>
+        </a:effectStyle>
+        <a:effectStyle>
+          <a:effectLst>
+            <a:outerShdw blurRad="57150" dist="19050" dir="5400000" algn="ctr" rotWithShape="0">
+              <a:srgbClr val="000000">
+                <a:alpha val="63000"/>
+              </a:srgbClr>
+            </a:outerShdw>
+          </a:effectLst>
+        </a:effectStyle>
+      </a:effectStyleLst>
+      <a:bgFillStyleLst>
+        <a:solidFill>
+          <a:schemeClr val="phClr"/>
+        </a:solidFill>
+        <a:solidFill>
+          <a:schemeClr val="phClr">
+            <a:tint val="95000"/>
+            <a:satMod val="170000"/>
+          </a:schemeClr>
+        </a:solidFill>
+        <a:gradFill rotWithShape="1">
+          <a:gsLst>
+            <a:gs pos="0">
+              <a:schemeClr val="phClr">
+                <a:tint val="93000"/>
+                <a:satMod val="150000"/>
+                <a:shade val="98000"/>
+                <a:lumMod val="102000"/>
+              </a:schemeClr>
+            </a:gs>
+            <a:gs pos="50000">
+              <a:schemeClr val="phClr">
+                <a:tint val="98000"/>
+                <a:satMod val="130000"/>
+                <a:shade val="90000"/>
+                <a:lumMod val="103000"/>
+              </a:schemeClr>
+            </a:gs>
+            <a:gs pos="100000">
+              <a:schemeClr val="phClr">
+                <a:shade val="63000"/>
+                <a:satMod val="120000"/>
+              </a:schemeClr>
+            </a:gs>
+          </a:gsLst>
+          <a:lin ang="5400000" scaled="0"/>
+        </a:gradFill>
+      </a:bgFillStyleLst>
+    </a:fmtScheme>
+  </a:themeElements>
+  <a:objectDefaults/>
+  <a:extraClrSchemeLst/>
+  <a:extLst>
+    <a:ext uri="{05A4C25C-085E-4340-85A3-A5531E510DB2}">
+      <thm15:themeFamily xmlns:thm15="http://schemas.microsoft.com/office/thememl/2012/main" name="Office Theme" id="{62F939B6-93AF-4DB8-9C6B-D6C7DFDC589F}" vid="{4A3C46E8-61CC-4603-A589-7422A47A8E4A}"/>
+    </a:ext>
+  </a:extLst>
+</a:theme>
 </file>
--- a/MI5130701 資料探勘 Data Mining/Ensemble methods.pptx
+++ b/MI5130701 資料探勘 Data Mining/Ensemble methods.pptx
@@ -227,7 +227,7 @@
           <a:p>
             <a:fld id="{C8AC5B22-9570-406B-96AA-22D3EA5ABAB1}" type="datetimeFigureOut">
               <a:rPr lang="zh-TW" altLang="en-US" smtClean="0"/>
-              <a:t>2023/12/5</a:t>
+              <a:t>2023/12/16</a:t>
             </a:fld>
             <a:endParaRPr lang="zh-TW" altLang="en-US"/>
           </a:p>
@@ -567,12 +567,75 @@
               <a:t>但期末沒有這麼多時間 老師給的題目會很乾淨 他說的</a:t>
             </a:r>
             <a:r>
-              <a:rPr lang="en-US" altLang="zh-TW"/>
+              <a:rPr lang="en-US" altLang="zh-TW" dirty="0"/>
               <a:t>..</a:t>
             </a:r>
           </a:p>
           <a:p>
-            <a:endParaRPr lang="zh-TW" altLang="en-US" dirty="0"/>
+            <a:endParaRPr lang="en-US" altLang="zh-TW" dirty="0"/>
+          </a:p>
+          <a:p>
+            <a:r>
+              <a:rPr lang="zh-TW" altLang="en-US" dirty="0"/>
+              <a:t>看</a:t>
+            </a:r>
+            <a:r>
+              <a:rPr lang="en-US" altLang="zh-TW" dirty="0"/>
+              <a:t>Y </a:t>
+            </a:r>
+            <a:r>
+              <a:rPr lang="zh-TW" altLang="en-US" dirty="0"/>
+              <a:t>切在 </a:t>
+            </a:r>
+            <a:r>
+              <a:rPr lang="en-US" altLang="zh-TW" dirty="0"/>
+              <a:t>X </a:t>
+            </a:r>
+            <a:r>
+              <a:rPr lang="zh-TW" altLang="en-US" dirty="0"/>
+              <a:t>切割用眼睛看 用決策後的左右平均數預測得到</a:t>
+            </a:r>
+            <a:r>
+              <a:rPr lang="en-US" altLang="zh-TW" dirty="0"/>
+              <a:t>h1</a:t>
+            </a:r>
+          </a:p>
+          <a:p>
+            <a:r>
+              <a:rPr lang="en-US" altLang="zh-TW" dirty="0"/>
+              <a:t>F1 = f0+h1</a:t>
+            </a:r>
+          </a:p>
+          <a:p>
+            <a:r>
+              <a:rPr lang="zh-TW" altLang="en-US" dirty="0"/>
+              <a:t>殘差</a:t>
+            </a:r>
+            <a:r>
+              <a:rPr lang="en-US" altLang="zh-TW" dirty="0"/>
+              <a:t>=y-f1</a:t>
+            </a:r>
+          </a:p>
+          <a:p>
+            <a:r>
+              <a:rPr lang="zh-TW" altLang="en-US" dirty="0"/>
+              <a:t>可以一直切得到新的殘差</a:t>
+            </a:r>
+            <a:endParaRPr lang="en-US" altLang="zh-TW" dirty="0"/>
+          </a:p>
+          <a:p>
+            <a:r>
+              <a:rPr lang="zh-TW" altLang="en-US" dirty="0"/>
+              <a:t>每一層都會產生新的樹</a:t>
+            </a:r>
+            <a:r>
+              <a:rPr lang="en-US" altLang="zh-TW" dirty="0"/>
+              <a:t>(h1 h2 h3 f1 f2 f3) </a:t>
+            </a:r>
+            <a:r>
+              <a:rPr lang="zh-TW" altLang="en-US" dirty="0"/>
+              <a:t>殘差會越來越小</a:t>
+            </a:r>
           </a:p>
         </p:txBody>
       </p:sp>
@@ -695,6 +758,552 @@
     <p:extLst>
       <p:ext uri="{BB962C8B-B14F-4D97-AF65-F5344CB8AC3E}">
         <p14:creationId xmlns:p14="http://schemas.microsoft.com/office/powerpoint/2010/main" val="2367176907"/>
+      </p:ext>
+    </p:extLst>
+  </p:cSld>
+  <p:clrMapOvr>
+    <a:masterClrMapping/>
+  </p:clrMapOvr>
+</p:notes>
+</file>
+
+<file path=ppt/notesSlides/notesSlide3.xml><?xml version="1.0" encoding="utf-8"?>
+<p:notes xmlns:a="http://schemas.openxmlformats.org/drawingml/2006/main" xmlns:r="http://schemas.openxmlformats.org/officeDocument/2006/relationships" xmlns:p="http://schemas.openxmlformats.org/presentationml/2006/main">
+  <p:cSld>
+    <p:spTree>
+      <p:nvGrpSpPr>
+        <p:cNvPr id="1" name=""/>
+        <p:cNvGrpSpPr/>
+        <p:nvPr/>
+      </p:nvGrpSpPr>
+      <p:grpSpPr>
+        <a:xfrm>
+          <a:off x="0" y="0"/>
+          <a:ext cx="0" cy="0"/>
+          <a:chOff x="0" y="0"/>
+          <a:chExt cx="0" cy="0"/>
+        </a:xfrm>
+      </p:grpSpPr>
+      <p:sp>
+        <p:nvSpPr>
+          <p:cNvPr id="2" name="投影片影像版面配置區 1"/>
+          <p:cNvSpPr>
+            <a:spLocks noGrp="1" noRot="1" noChangeAspect="1"/>
+          </p:cNvSpPr>
+          <p:nvPr>
+            <p:ph type="sldImg"/>
+          </p:nvPr>
+        </p:nvSpPr>
+        <p:spPr/>
+      </p:sp>
+      <p:sp>
+        <p:nvSpPr>
+          <p:cNvPr id="3" name="備忘稿版面配置區 2"/>
+          <p:cNvSpPr>
+            <a:spLocks noGrp="1"/>
+          </p:cNvSpPr>
+          <p:nvPr>
+            <p:ph type="body" idx="1"/>
+          </p:nvPr>
+        </p:nvSpPr>
+        <p:spPr/>
+        <p:txBody>
+          <a:bodyPr/>
+          <a:lstStyle/>
+          <a:p>
+            <a:endParaRPr lang="zh-TW" altLang="en-US" dirty="0"/>
+          </a:p>
+        </p:txBody>
+      </p:sp>
+      <p:sp>
+        <p:nvSpPr>
+          <p:cNvPr id="4" name="投影片編號版面配置區 3"/>
+          <p:cNvSpPr>
+            <a:spLocks noGrp="1"/>
+          </p:cNvSpPr>
+          <p:nvPr>
+            <p:ph type="sldNum" sz="quarter" idx="5"/>
+          </p:nvPr>
+        </p:nvSpPr>
+        <p:spPr/>
+        <p:txBody>
+          <a:bodyPr/>
+          <a:lstStyle/>
+          <a:p>
+            <a:fld id="{998C0009-8A3A-4F6B-95B2-F8940C9E0D6D}" type="slidenum">
+              <a:rPr lang="zh-TW" altLang="en-US" smtClean="0"/>
+              <a:t>21</a:t>
+            </a:fld>
+            <a:endParaRPr lang="zh-TW" altLang="en-US"/>
+          </a:p>
+        </p:txBody>
+      </p:sp>
+    </p:spTree>
+    <p:extLst>
+      <p:ext uri="{BB962C8B-B14F-4D97-AF65-F5344CB8AC3E}">
+        <p14:creationId xmlns:p14="http://schemas.microsoft.com/office/powerpoint/2010/main" val="1740530987"/>
+      </p:ext>
+    </p:extLst>
+  </p:cSld>
+  <p:clrMapOvr>
+    <a:masterClrMapping/>
+  </p:clrMapOvr>
+</p:notes>
+</file>
+
+<file path=ppt/notesSlides/notesSlide4.xml><?xml version="1.0" encoding="utf-8"?>
+<p:notes xmlns:a="http://schemas.openxmlformats.org/drawingml/2006/main" xmlns:r="http://schemas.openxmlformats.org/officeDocument/2006/relationships" xmlns:p="http://schemas.openxmlformats.org/presentationml/2006/main">
+  <p:cSld>
+    <p:spTree>
+      <p:nvGrpSpPr>
+        <p:cNvPr id="1" name=""/>
+        <p:cNvGrpSpPr/>
+        <p:nvPr/>
+      </p:nvGrpSpPr>
+      <p:grpSpPr>
+        <a:xfrm>
+          <a:off x="0" y="0"/>
+          <a:ext cx="0" cy="0"/>
+          <a:chOff x="0" y="0"/>
+          <a:chExt cx="0" cy="0"/>
+        </a:xfrm>
+      </p:grpSpPr>
+      <p:sp>
+        <p:nvSpPr>
+          <p:cNvPr id="2" name="投影片影像版面配置區 1"/>
+          <p:cNvSpPr>
+            <a:spLocks noGrp="1" noRot="1" noChangeAspect="1"/>
+          </p:cNvSpPr>
+          <p:nvPr>
+            <p:ph type="sldImg"/>
+          </p:nvPr>
+        </p:nvSpPr>
+        <p:spPr/>
+      </p:sp>
+      <p:sp>
+        <p:nvSpPr>
+          <p:cNvPr id="3" name="備忘稿版面配置區 2"/>
+          <p:cNvSpPr>
+            <a:spLocks noGrp="1"/>
+          </p:cNvSpPr>
+          <p:nvPr>
+            <p:ph type="body" idx="1"/>
+          </p:nvPr>
+        </p:nvSpPr>
+        <p:spPr/>
+        <p:txBody>
+          <a:bodyPr/>
+          <a:lstStyle/>
+          <a:p>
+            <a:endParaRPr lang="zh-TW" altLang="en-US" dirty="0"/>
+          </a:p>
+        </p:txBody>
+      </p:sp>
+      <p:sp>
+        <p:nvSpPr>
+          <p:cNvPr id="4" name="投影片編號版面配置區 3"/>
+          <p:cNvSpPr>
+            <a:spLocks noGrp="1"/>
+          </p:cNvSpPr>
+          <p:nvPr>
+            <p:ph type="sldNum" sz="quarter" idx="5"/>
+          </p:nvPr>
+        </p:nvSpPr>
+        <p:spPr/>
+        <p:txBody>
+          <a:bodyPr/>
+          <a:lstStyle/>
+          <a:p>
+            <a:fld id="{998C0009-8A3A-4F6B-95B2-F8940C9E0D6D}" type="slidenum">
+              <a:rPr lang="zh-TW" altLang="en-US" smtClean="0"/>
+              <a:t>26</a:t>
+            </a:fld>
+            <a:endParaRPr lang="zh-TW" altLang="en-US"/>
+          </a:p>
+        </p:txBody>
+      </p:sp>
+    </p:spTree>
+    <p:extLst>
+      <p:ext uri="{BB962C8B-B14F-4D97-AF65-F5344CB8AC3E}">
+        <p14:creationId xmlns:p14="http://schemas.microsoft.com/office/powerpoint/2010/main" val="2422849297"/>
+      </p:ext>
+    </p:extLst>
+  </p:cSld>
+  <p:clrMapOvr>
+    <a:masterClrMapping/>
+  </p:clrMapOvr>
+</p:notes>
+</file>
+
+<file path=ppt/notesSlides/notesSlide5.xml><?xml version="1.0" encoding="utf-8"?>
+<p:notes xmlns:a="http://schemas.openxmlformats.org/drawingml/2006/main" xmlns:r="http://schemas.openxmlformats.org/officeDocument/2006/relationships" xmlns:p="http://schemas.openxmlformats.org/presentationml/2006/main">
+  <p:cSld>
+    <p:spTree>
+      <p:nvGrpSpPr>
+        <p:cNvPr id="1" name=""/>
+        <p:cNvGrpSpPr/>
+        <p:nvPr/>
+      </p:nvGrpSpPr>
+      <p:grpSpPr>
+        <a:xfrm>
+          <a:off x="0" y="0"/>
+          <a:ext cx="0" cy="0"/>
+          <a:chOff x="0" y="0"/>
+          <a:chExt cx="0" cy="0"/>
+        </a:xfrm>
+      </p:grpSpPr>
+      <p:sp>
+        <p:nvSpPr>
+          <p:cNvPr id="2" name="投影片影像版面配置區 1"/>
+          <p:cNvSpPr>
+            <a:spLocks noGrp="1" noRot="1" noChangeAspect="1"/>
+          </p:cNvSpPr>
+          <p:nvPr>
+            <p:ph type="sldImg"/>
+          </p:nvPr>
+        </p:nvSpPr>
+        <p:spPr/>
+      </p:sp>
+      <p:sp>
+        <p:nvSpPr>
+          <p:cNvPr id="3" name="備忘稿版面配置區 2"/>
+          <p:cNvSpPr>
+            <a:spLocks noGrp="1"/>
+          </p:cNvSpPr>
+          <p:nvPr>
+            <p:ph type="body" idx="1"/>
+          </p:nvPr>
+        </p:nvSpPr>
+        <p:spPr/>
+        <p:txBody>
+          <a:bodyPr/>
+          <a:lstStyle/>
+          <a:p>
+            <a:r>
+              <a:rPr lang="en-US" altLang="zh-TW" dirty="0"/>
+              <a:t>F0 f1 f2</a:t>
+            </a:r>
+            <a:r>
+              <a:rPr lang="zh-TW" altLang="en-US" dirty="0"/>
+              <a:t>會變很多</a:t>
+            </a:r>
+            <a:endParaRPr lang="en-US" altLang="zh-TW" dirty="0"/>
+          </a:p>
+          <a:p>
+            <a:r>
+              <a:rPr lang="zh-TW" altLang="en-US" dirty="0"/>
+              <a:t>可以加很多很多層 殘差就會越來越小</a:t>
+            </a:r>
+            <a:endParaRPr lang="en-US" altLang="zh-TW" dirty="0"/>
+          </a:p>
+          <a:p>
+            <a:endParaRPr lang="zh-TW" altLang="en-US" dirty="0"/>
+          </a:p>
+        </p:txBody>
+      </p:sp>
+      <p:sp>
+        <p:nvSpPr>
+          <p:cNvPr id="4" name="投影片編號版面配置區 3"/>
+          <p:cNvSpPr>
+            <a:spLocks noGrp="1"/>
+          </p:cNvSpPr>
+          <p:nvPr>
+            <p:ph type="sldNum" sz="quarter" idx="5"/>
+          </p:nvPr>
+        </p:nvSpPr>
+        <p:spPr/>
+        <p:txBody>
+          <a:bodyPr/>
+          <a:lstStyle/>
+          <a:p>
+            <a:fld id="{998C0009-8A3A-4F6B-95B2-F8940C9E0D6D}" type="slidenum">
+              <a:rPr lang="zh-TW" altLang="en-US" smtClean="0"/>
+              <a:t>27</a:t>
+            </a:fld>
+            <a:endParaRPr lang="zh-TW" altLang="en-US"/>
+          </a:p>
+        </p:txBody>
+      </p:sp>
+    </p:spTree>
+    <p:extLst>
+      <p:ext uri="{BB962C8B-B14F-4D97-AF65-F5344CB8AC3E}">
+        <p14:creationId xmlns:p14="http://schemas.microsoft.com/office/powerpoint/2010/main" val="1922053710"/>
+      </p:ext>
+    </p:extLst>
+  </p:cSld>
+  <p:clrMapOvr>
+    <a:masterClrMapping/>
+  </p:clrMapOvr>
+</p:notes>
+</file>
+
+<file path=ppt/notesSlides/notesSlide6.xml><?xml version="1.0" encoding="utf-8"?>
+<p:notes xmlns:a="http://schemas.openxmlformats.org/drawingml/2006/main" xmlns:r="http://schemas.openxmlformats.org/officeDocument/2006/relationships" xmlns:p="http://schemas.openxmlformats.org/presentationml/2006/main">
+  <p:cSld>
+    <p:spTree>
+      <p:nvGrpSpPr>
+        <p:cNvPr id="1" name=""/>
+        <p:cNvGrpSpPr/>
+        <p:nvPr/>
+      </p:nvGrpSpPr>
+      <p:grpSpPr>
+        <a:xfrm>
+          <a:off x="0" y="0"/>
+          <a:ext cx="0" cy="0"/>
+          <a:chOff x="0" y="0"/>
+          <a:chExt cx="0" cy="0"/>
+        </a:xfrm>
+      </p:grpSpPr>
+      <p:sp>
+        <p:nvSpPr>
+          <p:cNvPr id="2" name="投影片影像版面配置區 1"/>
+          <p:cNvSpPr>
+            <a:spLocks noGrp="1" noRot="1" noChangeAspect="1"/>
+          </p:cNvSpPr>
+          <p:nvPr>
+            <p:ph type="sldImg"/>
+          </p:nvPr>
+        </p:nvSpPr>
+        <p:spPr/>
+      </p:sp>
+      <p:sp>
+        <p:nvSpPr>
+          <p:cNvPr id="3" name="備忘稿版面配置區 2"/>
+          <p:cNvSpPr>
+            <a:spLocks noGrp="1"/>
+          </p:cNvSpPr>
+          <p:nvPr>
+            <p:ph type="body" idx="1"/>
+          </p:nvPr>
+        </p:nvSpPr>
+        <p:spPr/>
+        <p:txBody>
+          <a:bodyPr/>
+          <a:lstStyle/>
+          <a:p>
+            <a:r>
+              <a:rPr lang="zh-TW" altLang="en-US" dirty="0"/>
+              <a:t>為何和梯度有關 因為殘差項 若是函數是上面的</a:t>
+            </a:r>
+            <a:r>
+              <a:rPr lang="en-US" altLang="zh-TW" dirty="0"/>
+              <a:t>L</a:t>
+            </a:r>
+          </a:p>
+          <a:p>
+            <a:r>
+              <a:rPr lang="zh-TW" altLang="en-US" dirty="0"/>
+              <a:t>對</a:t>
+            </a:r>
+            <a:r>
+              <a:rPr lang="en-US" altLang="zh-TW" dirty="0"/>
+              <a:t>F</a:t>
+            </a:r>
+            <a:r>
+              <a:rPr lang="zh-TW" altLang="en-US" dirty="0"/>
+              <a:t>求微分時，</a:t>
+            </a:r>
+            <a:r>
+              <a:rPr lang="en-US" altLang="zh-TW" dirty="0"/>
+              <a:t>(y-f)</a:t>
+            </a:r>
+            <a:r>
+              <a:rPr lang="zh-TW" altLang="en-US" dirty="0"/>
+              <a:t> 是 殘差 就變成 </a:t>
+            </a:r>
+            <a:r>
+              <a:rPr lang="en-US" altLang="zh-TW" dirty="0"/>
+              <a:t>(</a:t>
+            </a:r>
+            <a:r>
+              <a:rPr lang="zh-TW" altLang="en-US" dirty="0"/>
+              <a:t>梯度</a:t>
+            </a:r>
+            <a:r>
+              <a:rPr lang="en-US" altLang="zh-TW" dirty="0"/>
+              <a:t>)</a:t>
+            </a:r>
+            <a:r>
+              <a:rPr lang="zh-TW" altLang="en-US" dirty="0"/>
+              <a:t> 等於 </a:t>
+            </a:r>
+            <a:r>
+              <a:rPr lang="en-US" altLang="zh-TW" dirty="0"/>
+              <a:t>(</a:t>
+            </a:r>
+            <a:r>
+              <a:rPr lang="zh-TW" altLang="en-US" dirty="0"/>
+              <a:t>負的殘差</a:t>
+            </a:r>
+            <a:r>
+              <a:rPr lang="en-US" altLang="zh-TW" dirty="0"/>
+              <a:t>)</a:t>
+            </a:r>
+          </a:p>
+          <a:p>
+            <a:r>
+              <a:rPr lang="zh-TW" altLang="en-US" dirty="0"/>
+              <a:t>殘差項就是 </a:t>
+            </a:r>
+            <a:r>
+              <a:rPr lang="en-US" altLang="zh-TW" dirty="0"/>
+              <a:t>t</a:t>
+            </a:r>
+            <a:r>
+              <a:rPr lang="zh-TW" altLang="en-US" dirty="0"/>
+              <a:t>度 加負號</a:t>
+            </a:r>
+            <a:endParaRPr lang="en-US" altLang="zh-TW" dirty="0"/>
+          </a:p>
+          <a:p>
+            <a:r>
+              <a:rPr lang="zh-TW" altLang="en-US" dirty="0"/>
+              <a:t>用 梯度向下法 是用 沿著負的剃度方向去修改他的值 梯度方向的反方向去修改</a:t>
+            </a:r>
+            <a:endParaRPr lang="en-US" altLang="zh-TW" dirty="0"/>
+          </a:p>
+          <a:p>
+            <a:r>
+              <a:rPr lang="zh-TW" altLang="en-US" dirty="0"/>
+              <a:t>因為原定的</a:t>
+            </a:r>
+            <a:r>
+              <a:rPr lang="en-US" altLang="zh-TW" dirty="0"/>
+              <a:t>learning rate =1 </a:t>
+            </a:r>
+            <a:r>
+              <a:rPr lang="zh-TW" altLang="en-US" dirty="0"/>
+              <a:t>但真正的</a:t>
+            </a:r>
+            <a:r>
+              <a:rPr lang="en-US" altLang="zh-TW" dirty="0"/>
+              <a:t>gradient boosting </a:t>
+            </a:r>
+            <a:r>
+              <a:rPr lang="zh-TW" altLang="en-US" dirty="0"/>
+              <a:t>就</a:t>
+            </a:r>
+            <a:r>
+              <a:rPr lang="en-US" altLang="zh-TW" dirty="0"/>
+              <a:t>a (alpha </a:t>
+            </a:r>
+            <a:r>
+              <a:rPr lang="zh-TW" altLang="en-US" dirty="0"/>
+              <a:t>就不是</a:t>
+            </a:r>
+            <a:r>
+              <a:rPr lang="en-US" altLang="zh-TW" dirty="0"/>
+              <a:t>1</a:t>
+            </a:r>
+            <a:r>
+              <a:rPr lang="zh-TW" altLang="en-US" dirty="0"/>
+              <a:t>了</a:t>
+            </a:r>
+            <a:r>
+              <a:rPr lang="en-US" altLang="zh-TW" dirty="0"/>
+              <a:t>)</a:t>
+            </a:r>
+          </a:p>
+          <a:p>
+            <a:r>
+              <a:rPr lang="zh-TW" altLang="en-US" dirty="0"/>
+              <a:t>如果考慮</a:t>
+            </a:r>
+            <a:r>
+              <a:rPr lang="en-US" altLang="zh-TW" dirty="0"/>
+              <a:t>learning rate </a:t>
+            </a:r>
+            <a:r>
+              <a:rPr lang="zh-TW" altLang="en-US" dirty="0"/>
+              <a:t>就會 </a:t>
+            </a:r>
+            <a:r>
+              <a:rPr lang="en-US" altLang="zh-TW" dirty="0"/>
+              <a:t>a * y-f0</a:t>
+            </a:r>
+          </a:p>
+          <a:p>
+            <a:endParaRPr lang="en-US" altLang="zh-TW" dirty="0"/>
+          </a:p>
+          <a:p>
+            <a:r>
+              <a:rPr lang="en-US" altLang="zh-TW" dirty="0">
+                <a:solidFill>
+                  <a:srgbClr val="FF0000"/>
+                </a:solidFill>
+              </a:rPr>
+              <a:t>Gradient </a:t>
+            </a:r>
+            <a:r>
+              <a:rPr lang="zh-TW" altLang="en-US" dirty="0">
+                <a:solidFill>
+                  <a:srgbClr val="FF0000"/>
+                </a:solidFill>
+              </a:rPr>
+              <a:t>就是考慮 </a:t>
+            </a:r>
+            <a:r>
+              <a:rPr lang="en-US" altLang="zh-TW" dirty="0" err="1">
+                <a:solidFill>
+                  <a:srgbClr val="FF0000"/>
+                </a:solidFill>
+              </a:rPr>
+              <a:t>learingRate</a:t>
+            </a:r>
+            <a:r>
+              <a:rPr lang="en-US" altLang="zh-TW" dirty="0">
+                <a:solidFill>
+                  <a:srgbClr val="FF0000"/>
+                </a:solidFill>
+              </a:rPr>
+              <a:t> </a:t>
+            </a:r>
+            <a:r>
+              <a:rPr lang="zh-TW" altLang="en-US" dirty="0">
+                <a:solidFill>
+                  <a:srgbClr val="FF0000"/>
+                </a:solidFill>
+              </a:rPr>
+              <a:t>不是整個殘差加進去</a:t>
+            </a:r>
+            <a:endParaRPr lang="en-US" altLang="zh-TW" dirty="0">
+              <a:solidFill>
+                <a:srgbClr val="FF0000"/>
+              </a:solidFill>
+            </a:endParaRPr>
+          </a:p>
+          <a:p>
+            <a:endParaRPr lang="en-US" altLang="zh-TW" dirty="0"/>
+          </a:p>
+        </p:txBody>
+      </p:sp>
+      <p:sp>
+        <p:nvSpPr>
+          <p:cNvPr id="4" name="投影片編號版面配置區 3"/>
+          <p:cNvSpPr>
+            <a:spLocks noGrp="1"/>
+          </p:cNvSpPr>
+          <p:nvPr>
+            <p:ph type="sldNum" sz="quarter" idx="5"/>
+          </p:nvPr>
+        </p:nvSpPr>
+        <p:spPr/>
+        <p:txBody>
+          <a:bodyPr/>
+          <a:lstStyle/>
+          <a:p>
+            <a:fld id="{998C0009-8A3A-4F6B-95B2-F8940C9E0D6D}" type="slidenum">
+              <a:rPr lang="zh-TW" altLang="en-US" smtClean="0"/>
+              <a:t>28</a:t>
+            </a:fld>
+            <a:endParaRPr lang="zh-TW" altLang="en-US"/>
+          </a:p>
+        </p:txBody>
+      </p:sp>
+    </p:spTree>
+    <p:extLst>
+      <p:ext uri="{BB962C8B-B14F-4D97-AF65-F5344CB8AC3E}">
+        <p14:creationId xmlns:p14="http://schemas.microsoft.com/office/powerpoint/2010/main" val="1800228811"/>
       </p:ext>
     </p:extLst>
   </p:cSld>
@@ -833,7 +1442,7 @@
           <a:p>
             <a:fld id="{F96F0BAB-F6F3-4D0F-BBFE-4849BFCCFF82}" type="datetimeFigureOut">
               <a:rPr lang="zh-TW" altLang="en-US" smtClean="0"/>
-              <a:t>2023/12/5</a:t>
+              <a:t>2023/12/16</a:t>
             </a:fld>
             <a:endParaRPr lang="zh-TW" altLang="en-US"/>
           </a:p>
@@ -1001,7 +1610,7 @@
           <a:p>
             <a:fld id="{F96F0BAB-F6F3-4D0F-BBFE-4849BFCCFF82}" type="datetimeFigureOut">
               <a:rPr lang="zh-TW" altLang="en-US" smtClean="0"/>
-              <a:t>2023/12/5</a:t>
+              <a:t>2023/12/16</a:t>
             </a:fld>
             <a:endParaRPr lang="zh-TW" altLang="en-US"/>
           </a:p>
@@ -1179,7 +1788,7 @@
           <a:p>
             <a:fld id="{F96F0BAB-F6F3-4D0F-BBFE-4849BFCCFF82}" type="datetimeFigureOut">
               <a:rPr lang="zh-TW" altLang="en-US" smtClean="0"/>
-              <a:t>2023/12/5</a:t>
+              <a:t>2023/12/16</a:t>
             </a:fld>
             <a:endParaRPr lang="zh-TW" altLang="en-US"/>
           </a:p>
@@ -1481,7 +2090,7 @@
               <a:pPr>
                 <a:defRPr/>
               </a:pPr>
-              <a:t>112年12月5日星期二</a:t>
+              <a:t>112年12月16日星期六</a:t>
             </a:fld>
             <a:endParaRPr lang="en-US" altLang="zh-TW"/>
           </a:p>
@@ -1755,7 +2364,7 @@
               <a:pPr>
                 <a:defRPr/>
               </a:pPr>
-              <a:t>112年12月5日星期二</a:t>
+              <a:t>112年12月16日星期六</a:t>
             </a:fld>
             <a:endParaRPr lang="en-US" altLang="zh-TW"/>
           </a:p>
@@ -1951,7 +2560,7 @@
           <a:p>
             <a:fld id="{F96F0BAB-F6F3-4D0F-BBFE-4849BFCCFF82}" type="datetimeFigureOut">
               <a:rPr lang="zh-TW" altLang="en-US" smtClean="0"/>
-              <a:t>2023/12/5</a:t>
+              <a:t>2023/12/16</a:t>
             </a:fld>
             <a:endParaRPr lang="zh-TW" altLang="en-US"/>
           </a:p>
@@ -2196,7 +2805,7 @@
           <a:p>
             <a:fld id="{F96F0BAB-F6F3-4D0F-BBFE-4849BFCCFF82}" type="datetimeFigureOut">
               <a:rPr lang="zh-TW" altLang="en-US" smtClean="0"/>
-              <a:t>2023/12/5</a:t>
+              <a:t>2023/12/16</a:t>
             </a:fld>
             <a:endParaRPr lang="zh-TW" altLang="en-US"/>
           </a:p>
@@ -2425,7 +3034,7 @@
           <a:p>
             <a:fld id="{F96F0BAB-F6F3-4D0F-BBFE-4849BFCCFF82}" type="datetimeFigureOut">
               <a:rPr lang="zh-TW" altLang="en-US" smtClean="0"/>
-              <a:t>2023/12/5</a:t>
+              <a:t>2023/12/16</a:t>
             </a:fld>
             <a:endParaRPr lang="zh-TW" altLang="en-US"/>
           </a:p>
@@ -2789,7 +3398,7 @@
           <a:p>
             <a:fld id="{F96F0BAB-F6F3-4D0F-BBFE-4849BFCCFF82}" type="datetimeFigureOut">
               <a:rPr lang="zh-TW" altLang="en-US" smtClean="0"/>
-              <a:t>2023/12/5</a:t>
+              <a:t>2023/12/16</a:t>
             </a:fld>
             <a:endParaRPr lang="zh-TW" altLang="en-US"/>
           </a:p>
@@ -2906,7 +3515,7 @@
           <a:p>
             <a:fld id="{F96F0BAB-F6F3-4D0F-BBFE-4849BFCCFF82}" type="datetimeFigureOut">
               <a:rPr lang="zh-TW" altLang="en-US" smtClean="0"/>
-              <a:t>2023/12/5</a:t>
+              <a:t>2023/12/16</a:t>
             </a:fld>
             <a:endParaRPr lang="zh-TW" altLang="en-US"/>
           </a:p>
@@ -3001,7 +3610,7 @@
           <a:p>
             <a:fld id="{F96F0BAB-F6F3-4D0F-BBFE-4849BFCCFF82}" type="datetimeFigureOut">
               <a:rPr lang="zh-TW" altLang="en-US" smtClean="0"/>
-              <a:t>2023/12/5</a:t>
+              <a:t>2023/12/16</a:t>
             </a:fld>
             <a:endParaRPr lang="zh-TW" altLang="en-US"/>
           </a:p>
@@ -3276,7 +3885,7 @@
           <a:p>
             <a:fld id="{F96F0BAB-F6F3-4D0F-BBFE-4849BFCCFF82}" type="datetimeFigureOut">
               <a:rPr lang="zh-TW" altLang="en-US" smtClean="0"/>
-              <a:t>2023/12/5</a:t>
+              <a:t>2023/12/16</a:t>
             </a:fld>
             <a:endParaRPr lang="zh-TW" altLang="en-US"/>
           </a:p>
@@ -3528,7 +4137,7 @@
           <a:p>
             <a:fld id="{F96F0BAB-F6F3-4D0F-BBFE-4849BFCCFF82}" type="datetimeFigureOut">
               <a:rPr lang="zh-TW" altLang="en-US" smtClean="0"/>
-              <a:t>2023/12/5</a:t>
+              <a:t>2023/12/16</a:t>
             </a:fld>
             <a:endParaRPr lang="zh-TW" altLang="en-US"/>
           </a:p>
@@ -3739,7 +4348,7 @@
           <a:p>
             <a:fld id="{F96F0BAB-F6F3-4D0F-BBFE-4849BFCCFF82}" type="datetimeFigureOut">
               <a:rPr lang="zh-TW" altLang="en-US" smtClean="0"/>
-              <a:t>2023/12/5</a:t>
+              <a:t>2023/12/16</a:t>
             </a:fld>
             <a:endParaRPr lang="zh-TW" altLang="en-US"/>
           </a:p>
@@ -4252,7 +4861,7 @@
                 <a:ea typeface="新細明體" charset="-120"/>
               </a:rPr>
               <a:pPr/>
-              <a:t>112年12月5日星期二</a:t>
+              <a:t>112年12月16日星期六</a:t>
             </a:fld>
             <a:endParaRPr lang="en-US" altLang="zh-TW">
               <a:ea typeface="新細明體" charset="-120"/>
@@ -4860,7 +5469,7 @@
               <a:pPr>
                 <a:defRPr/>
               </a:pPr>
-              <a:t>112年12月5日星期二</a:t>
+              <a:t>112年12月16日星期六</a:t>
             </a:fld>
             <a:endParaRPr lang="en-US" altLang="zh-TW"/>
           </a:p>
@@ -7792,7 +8401,7 @@
                 <a:ea typeface="新細明體" charset="-120"/>
               </a:rPr>
               <a:pPr/>
-              <a:t>112年12月5日星期二</a:t>
+              <a:t>112年12月16日星期六</a:t>
             </a:fld>
             <a:endParaRPr lang="en-US" altLang="zh-TW">
               <a:ea typeface="新細明體" charset="-120"/>
@@ -8232,7 +8841,7 @@
           </p:nvPr>
         </p:nvPicPr>
         <p:blipFill>
-          <a:blip r:embed="rId2">
+          <a:blip r:embed="rId3">
             <a:extLst>
               <a:ext uri="{28A0092B-C50C-407E-A947-70E740481C1C}">
                 <a14:useLocalDpi xmlns:a14="http://schemas.microsoft.com/office/drawing/2010/main" val="0"/>
@@ -8246,7 +8855,7 @@
         </p:blipFill>
         <p:spPr bwMode="auto">
           <a:xfrm>
-            <a:off x="2229632" y="2079321"/>
+            <a:off x="2636032" y="1571321"/>
             <a:ext cx="5899759" cy="4434213"/>
           </a:xfrm>
           <a:prstGeom prst="rect">
@@ -8822,7 +9431,7 @@
           </p:nvPr>
         </p:nvPicPr>
         <p:blipFill>
-          <a:blip r:embed="rId2">
+          <a:blip r:embed="rId3">
             <a:extLst>
               <a:ext uri="{28A0092B-C50C-407E-A947-70E740481C1C}">
                 <a14:useLocalDpi xmlns:a14="http://schemas.microsoft.com/office/drawing/2010/main" val="0"/>
@@ -8924,7 +9533,7 @@
           </p:nvPr>
         </p:nvPicPr>
         <p:blipFill>
-          <a:blip r:embed="rId2"/>
+          <a:blip r:embed="rId3"/>
           <a:stretch>
             <a:fillRect/>
           </a:stretch>
@@ -9015,7 +9624,7 @@
           </p:nvPr>
         </p:nvPicPr>
         <p:blipFill>
-          <a:blip r:embed="rId2"/>
+          <a:blip r:embed="rId3"/>
           <a:stretch>
             <a:fillRect/>
           </a:stretch>
@@ -9039,7 +9648,7 @@
           <p:nvPr/>
         </p:nvPicPr>
         <p:blipFill>
-          <a:blip r:embed="rId3"/>
+          <a:blip r:embed="rId4"/>
           <a:stretch>
             <a:fillRect/>
           </a:stretch>
@@ -9063,7 +9672,7 @@
           <p:nvPr/>
         </p:nvPicPr>
         <p:blipFill>
-          <a:blip r:embed="rId4"/>
+          <a:blip r:embed="rId5"/>
           <a:stretch>
             <a:fillRect/>
           </a:stretch>
@@ -9287,7 +9896,7 @@
                 <a:ea typeface="新細明體" charset="-120"/>
               </a:rPr>
               <a:pPr/>
-              <a:t>112年12月5日星期二</a:t>
+              <a:t>112年12月16日星期六</a:t>
             </a:fld>
             <a:endParaRPr lang="en-US" altLang="zh-TW">
               <a:ea typeface="新細明體" charset="-120"/>
@@ -9692,7 +10301,7 @@
                 <a:ea typeface="新細明體" charset="-120"/>
               </a:rPr>
               <a:pPr/>
-              <a:t>112年12月5日星期二</a:t>
+              <a:t>112年12月16日星期六</a:t>
             </a:fld>
             <a:endParaRPr lang="en-US" altLang="zh-TW">
               <a:ea typeface="新細明體" charset="-120"/>
@@ -9985,7 +10594,7 @@
                 <a:ea typeface="新細明體" charset="-120"/>
               </a:rPr>
               <a:pPr/>
-              <a:t>112年12月5日星期二</a:t>
+              <a:t>112年12月16日星期六</a:t>
             </a:fld>
             <a:endParaRPr lang="en-US" altLang="zh-TW">
               <a:ea typeface="新細明體" charset="-120"/>
@@ -10415,7 +11024,7 @@
                 <a:ea typeface="新細明體" charset="-120"/>
               </a:rPr>
               <a:pPr/>
-              <a:t>112年12月5日星期二</a:t>
+              <a:t>112年12月16日星期六</a:t>
             </a:fld>
             <a:endParaRPr lang="en-US" altLang="zh-TW">
               <a:ea typeface="新細明體" charset="-120"/>
@@ -10771,7 +11380,7 @@
                 <a:ea typeface="新細明體" charset="-120"/>
               </a:rPr>
               <a:pPr/>
-              <a:t>112年12月5日星期二</a:t>
+              <a:t>112年12月16日星期六</a:t>
             </a:fld>
             <a:endParaRPr lang="en-US" altLang="zh-TW">
               <a:ea typeface="新細明體" charset="-120"/>
@@ -11450,7 +12059,7 @@
                 <a:ea typeface="新細明體" charset="-120"/>
               </a:rPr>
               <a:pPr/>
-              <a:t>112年12月5日星期二</a:t>
+              <a:t>112年12月16日星期六</a:t>
             </a:fld>
             <a:endParaRPr lang="en-US" altLang="zh-TW">
               <a:ea typeface="新細明體" charset="-120"/>
@@ -11658,7 +12267,7 @@
                 <a:ea typeface="新細明體" charset="-120"/>
               </a:rPr>
               <a:pPr/>
-              <a:t>112年12月5日星期二</a:t>
+              <a:t>112年12月16日星期六</a:t>
             </a:fld>
             <a:endParaRPr lang="en-US" altLang="zh-TW">
               <a:ea typeface="新細明體" charset="-120"/>
